--- a/Lecture Slides/S10.pptx
+++ b/Lecture Slides/S10.pptx
@@ -5,10 +5,10 @@
     <p:sldMasterId id="2147483651" r:id="rId1"/>
   </p:sldMasterIdLst>
   <p:notesMasterIdLst>
-    <p:notesMasterId r:id="rId21"/>
+    <p:notesMasterId r:id="rId22"/>
   </p:notesMasterIdLst>
   <p:handoutMasterIdLst>
-    <p:handoutMasterId r:id="rId22"/>
+    <p:handoutMasterId r:id="rId23"/>
   </p:handoutMasterIdLst>
   <p:sldIdLst>
     <p:sldId id="497" r:id="rId2"/>
@@ -27,9 +27,10 @@
     <p:sldId id="601" r:id="rId15"/>
     <p:sldId id="602" r:id="rId16"/>
     <p:sldId id="613" r:id="rId17"/>
-    <p:sldId id="603" r:id="rId18"/>
-    <p:sldId id="612" r:id="rId19"/>
-    <p:sldId id="374" r:id="rId20"/>
+    <p:sldId id="614" r:id="rId18"/>
+    <p:sldId id="603" r:id="rId19"/>
+    <p:sldId id="612" r:id="rId20"/>
+    <p:sldId id="374" r:id="rId21"/>
   </p:sldIdLst>
   <p:sldSz cx="12192000" cy="6858000"/>
   <p:notesSz cx="7315200" cy="9601200"/>
@@ -19918,6 +19919,114 @@
     <p:extLst>
       <p:ext uri="{BB962C8B-B14F-4D97-AF65-F5344CB8AC3E}">
         <p14:creationId xmlns:p14="http://schemas.microsoft.com/office/powerpoint/2010/main" val="3876620094"/>
+      </p:ext>
+    </p:extLst>
+  </p:cSld>
+  <p:clrMapOvr>
+    <a:masterClrMapping/>
+  </p:clrMapOvr>
+</p:notes>
+</file>
+
+<file path=ppt/notesSlides/notesSlide10.xml><?xml version="1.0" encoding="utf-8"?>
+<p:notes xmlns:a="http://schemas.openxmlformats.org/drawingml/2006/main" xmlns:r="http://schemas.openxmlformats.org/officeDocument/2006/relationships" xmlns:p="http://schemas.openxmlformats.org/presentationml/2006/main">
+  <p:cSld>
+    <p:spTree>
+      <p:nvGrpSpPr>
+        <p:cNvPr id="1" name=""/>
+        <p:cNvGrpSpPr/>
+        <p:nvPr/>
+      </p:nvGrpSpPr>
+      <p:grpSpPr>
+        <a:xfrm>
+          <a:off x="0" y="0"/>
+          <a:ext cx="0" cy="0"/>
+          <a:chOff x="0" y="0"/>
+          <a:chExt cx="0" cy="0"/>
+        </a:xfrm>
+      </p:grpSpPr>
+      <p:sp>
+        <p:nvSpPr>
+          <p:cNvPr id="2" name="Slide Image Placeholder 1"/>
+          <p:cNvSpPr>
+            <a:spLocks noGrp="1" noRot="1" noChangeAspect="1"/>
+          </p:cNvSpPr>
+          <p:nvPr>
+            <p:ph type="sldImg"/>
+          </p:nvPr>
+        </p:nvSpPr>
+        <p:spPr/>
+      </p:sp>
+      <p:sp>
+        <p:nvSpPr>
+          <p:cNvPr id="3" name="Notes Placeholder 2"/>
+          <p:cNvSpPr>
+            <a:spLocks noGrp="1"/>
+          </p:cNvSpPr>
+          <p:nvPr>
+            <p:ph type="body" idx="1"/>
+          </p:nvPr>
+        </p:nvSpPr>
+        <p:spPr/>
+        <p:txBody>
+          <a:bodyPr/>
+          <a:lstStyle/>
+          <a:p>
+            <a:r>
+              <a:rPr lang="en-AU" dirty="0" err="1"/>
+              <a:t>resource:https</a:t>
+            </a:r>
+            <a:r>
+              <a:rPr lang="en-AU" dirty="0"/>
+              <a:t>://</a:t>
+            </a:r>
+            <a:r>
+              <a:rPr lang="en-AU" dirty="0" err="1"/>
+              <a:t>www.youtube.com</a:t>
+            </a:r>
+            <a:r>
+              <a:rPr lang="en-AU" dirty="0"/>
+              <a:t>/</a:t>
+            </a:r>
+            <a:r>
+              <a:rPr lang="en-AU" dirty="0" err="1"/>
+              <a:t>watch?v</a:t>
+            </a:r>
+            <a:r>
+              <a:rPr lang="en-AU" dirty="0"/>
+              <a:t>=XW191kj4wW4</a:t>
+            </a:r>
+          </a:p>
+        </p:txBody>
+      </p:sp>
+      <p:sp>
+        <p:nvSpPr>
+          <p:cNvPr id="4" name="Slide Number Placeholder 3"/>
+          <p:cNvSpPr>
+            <a:spLocks noGrp="1"/>
+          </p:cNvSpPr>
+          <p:nvPr>
+            <p:ph type="sldNum" sz="quarter" idx="5"/>
+          </p:nvPr>
+        </p:nvSpPr>
+        <p:spPr/>
+        <p:txBody>
+          <a:bodyPr/>
+          <a:lstStyle/>
+          <a:p>
+            <a:fld id="{6D6AA351-6953-1E48-8EC4-68F89E579C6C}" type="slidenum">
+              <a:rPr lang="en-US" smtClean="0"/>
+              <a:pPr/>
+              <a:t>18</a:t>
+            </a:fld>
+            <a:endParaRPr lang="en-US"/>
+          </a:p>
+        </p:txBody>
+      </p:sp>
+    </p:spTree>
+    <p:extLst>
+      <p:ext uri="{BB962C8B-B14F-4D97-AF65-F5344CB8AC3E}">
+        <p14:creationId xmlns:p14="http://schemas.microsoft.com/office/powerpoint/2010/main" val="1845435006"/>
       </p:ext>
     </p:extLst>
   </p:cSld>
@@ -20633,9 +20742,1398 @@
         </p:nvSpPr>
         <p:spPr/>
       </p:sp>
+      <mc:AlternateContent xmlns:mc="http://schemas.openxmlformats.org/markup-compatibility/2006" xmlns:a14="http://schemas.microsoft.com/office/drawing/2010/main">
+        <mc:Choice Requires="a14">
+          <p:sp>
+            <p:nvSpPr>
+              <p:cNvPr id="3" name="Notes Placeholder 2"/>
+              <p:cNvSpPr>
+                <a:spLocks noGrp="1"/>
+              </p:cNvSpPr>
+              <p:nvPr>
+                <p:ph type="body" idx="1"/>
+              </p:nvPr>
+            </p:nvSpPr>
+            <p:spPr/>
+            <p:txBody>
+              <a:bodyPr/>
+              <a:lstStyle/>
+              <a:p>
+                <a:r>
+                  <a:rPr lang="en-US" sz="1200" b="1" i="0" kern="1200" dirty="0">
+                    <a:solidFill>
+                      <a:schemeClr val="tx1"/>
+                    </a:solidFill>
+                    <a:effectLst/>
+                    <a:latin typeface="Arial" charset="0"/>
+                    <a:ea typeface="ＭＳ Ｐゴシック" charset="0"/>
+                    <a:cs typeface="Arial" charset="0"/>
+                  </a:rPr>
+                  <a:t>Support:</a:t>
+                </a:r>
+                <a:r>
+                  <a:rPr lang="en-US" sz="1200" b="0" i="0" kern="1200" dirty="0">
+                    <a:solidFill>
+                      <a:schemeClr val="tx1"/>
+                    </a:solidFill>
+                    <a:effectLst/>
+                    <a:latin typeface="Arial" charset="0"/>
+                    <a:ea typeface="ＭＳ Ｐゴシック" charset="0"/>
+                    <a:cs typeface="Arial" charset="0"/>
+                  </a:rPr>
+                  <a:t> Fraction of transactions containing the </a:t>
+                </a:r>
+                <a:r>
+                  <a:rPr lang="en-US" sz="1200" b="0" i="0" kern="1200" dirty="0" err="1">
+                    <a:solidFill>
+                      <a:schemeClr val="tx1"/>
+                    </a:solidFill>
+                    <a:effectLst/>
+                    <a:latin typeface="Arial" charset="0"/>
+                    <a:ea typeface="ＭＳ Ｐゴシック" charset="0"/>
+                    <a:cs typeface="Arial" charset="0"/>
+                  </a:rPr>
+                  <a:t>itemsets</a:t>
+                </a:r>
+                <a:r>
+                  <a:rPr lang="en-US" sz="1200" b="0" i="0" kern="1200" dirty="0">
+                    <a:solidFill>
+                      <a:schemeClr val="tx1"/>
+                    </a:solidFill>
+                    <a:effectLst/>
+                    <a:latin typeface="Arial" charset="0"/>
+                    <a:ea typeface="ＭＳ Ｐゴシック" charset="0"/>
+                    <a:cs typeface="Arial" charset="0"/>
+                  </a:rPr>
+                  <a:t> in both X and Y.</a:t>
+                </a:r>
+              </a:p>
+              <a:p>
+                <a:pPr marL="171450" indent="-171450">
+                  <a:buFont typeface="Arial" panose="020B0604020202020204" pitchFamily="34" charset="0"/>
+                  <a:buChar char="•"/>
+                </a:pPr>
+                <a:r>
+                  <a:rPr lang="en-US" sz="1200" kern="1200" dirty="0">
+                    <a:solidFill>
+                      <a:schemeClr val="tx1"/>
+                    </a:solidFill>
+                    <a:effectLst/>
+                    <a:latin typeface="Arial" charset="0"/>
+                    <a:ea typeface="ＭＳ Ｐゴシック" charset="0"/>
+                    <a:cs typeface="Arial" charset="0"/>
+                  </a:rPr>
+                  <a:t>Support</a:t>
+                </a:r>
+                <a:r>
+                  <a:rPr lang="en-US" dirty="0">
+                    <a:effectLst/>
+                  </a:rPr>
+                  <a:t>(</a:t>
+                </a:r>
+                <a:r>
+                  <a:rPr lang="en-US" sz="1200" i="1" kern="1200" dirty="0">
+                    <a:solidFill>
+                      <a:schemeClr val="tx1"/>
+                    </a:solidFill>
+                    <a:effectLst/>
+                    <a:latin typeface="Arial" charset="0"/>
+                    <a:ea typeface="ＭＳ Ｐゴシック" charset="0"/>
+                    <a:cs typeface="Arial" charset="0"/>
+                  </a:rPr>
+                  <a:t>X</a:t>
+                </a:r>
+                <a:r>
+                  <a:rPr lang="en-US" dirty="0">
+                    <a:effectLst/>
+                  </a:rPr>
+                  <a:t>→</a:t>
+                </a:r>
+                <a:r>
+                  <a:rPr lang="en-US" sz="1200" i="1" kern="1200" dirty="0">
+                    <a:solidFill>
+                      <a:schemeClr val="tx1"/>
+                    </a:solidFill>
+                    <a:effectLst/>
+                    <a:latin typeface="Arial" charset="0"/>
+                    <a:ea typeface="ＭＳ Ｐゴシック" charset="0"/>
+                    <a:cs typeface="Arial" charset="0"/>
+                  </a:rPr>
+                  <a:t>Y</a:t>
+                </a:r>
+                <a:r>
+                  <a:rPr lang="en-US" dirty="0">
+                    <a:effectLst/>
+                  </a:rPr>
+                  <a:t>)=</a:t>
+                </a:r>
+                <a:r>
+                  <a:rPr lang="en-US" sz="1200" b="0" i="0" kern="1200" dirty="0">
+                    <a:solidFill>
+                      <a:schemeClr val="tx1"/>
+                    </a:solidFill>
+                    <a:effectLst/>
+                    <a:latin typeface="Arial" charset="0"/>
+                    <a:ea typeface="ＭＳ Ｐゴシック" charset="0"/>
+                    <a:cs typeface="Arial" charset="0"/>
+                  </a:rPr>
+                  <a:t>Total number of transactions/Number of transactions with (</a:t>
+                </a:r>
+                <a:r>
+                  <a:rPr lang="en-US" sz="1200" b="0" i="1" kern="1200" dirty="0">
+                    <a:solidFill>
+                      <a:schemeClr val="tx1"/>
+                    </a:solidFill>
+                    <a:effectLst/>
+                    <a:latin typeface="Arial" charset="0"/>
+                    <a:ea typeface="ＭＳ Ｐゴシック" charset="0"/>
+                    <a:cs typeface="Arial" charset="0"/>
+                  </a:rPr>
+                  <a:t>X</a:t>
+                </a:r>
+                <a:r>
+                  <a:rPr lang="en-US" sz="1200" b="0" i="0" kern="1200" dirty="0">
+                    <a:solidFill>
+                      <a:schemeClr val="tx1"/>
+                    </a:solidFill>
+                    <a:effectLst/>
+                    <a:latin typeface="Arial" charset="0"/>
+                    <a:ea typeface="ＭＳ Ｐゴシック" charset="0"/>
+                    <a:cs typeface="Arial" charset="0"/>
+                  </a:rPr>
+                  <a:t>∪</a:t>
+                </a:r>
+                <a:r>
+                  <a:rPr lang="en-US" sz="1200" b="0" i="1" kern="1200" dirty="0">
+                    <a:solidFill>
+                      <a:schemeClr val="tx1"/>
+                    </a:solidFill>
+                    <a:effectLst/>
+                    <a:latin typeface="Arial" charset="0"/>
+                    <a:ea typeface="ＭＳ Ｐゴシック" charset="0"/>
+                    <a:cs typeface="Arial" charset="0"/>
+                  </a:rPr>
+                  <a:t>Y</a:t>
+                </a:r>
+                <a:r>
+                  <a:rPr lang="en-US" sz="1200" b="0" i="0" kern="1200" dirty="0">
+                    <a:solidFill>
+                      <a:schemeClr val="tx1"/>
+                    </a:solidFill>
+                    <a:effectLst/>
+                    <a:latin typeface="Arial" charset="0"/>
+                    <a:ea typeface="ＭＳ Ｐゴシック" charset="0"/>
+                    <a:cs typeface="Arial" charset="0"/>
+                  </a:rPr>
+                  <a:t>)​</a:t>
+                </a:r>
+              </a:p>
+              <a:p>
+                <a:pPr rtl="0" fontAlgn="base"/>
+                <a:r>
+                  <a:rPr lang="en-AU" b="1" dirty="0">
+                    <a:effectLst/>
+                  </a:rPr>
+                  <a:t>Confidence:</a:t>
+                </a:r>
+                <a:r>
+                  <a:rPr lang="en-AU" dirty="0">
+                    <a:effectLst/>
+                  </a:rPr>
+                  <a:t> Probability that transactions with X also include Y.</a:t>
+                </a:r>
+                <a:r>
+                  <a:rPr lang="en-AU" baseline="0" dirty="0">
+                    <a:effectLst/>
+                  </a:rPr>
+                  <a:t> </a:t>
+                </a:r>
+              </a:p>
+              <a:p>
+                <a:pPr marL="171450" indent="-171450" rtl="0" fontAlgn="base">
+                  <a:buFont typeface="Arial" panose="020B0604020202020204" pitchFamily="34" charset="0"/>
+                  <a:buChar char="•"/>
+                </a:pPr>
+                <a14:m>
+                  <m:oMath xmlns:m="http://schemas.openxmlformats.org/officeDocument/2006/math">
+                    <m:r>
+                      <m:rPr>
+                        <m:nor/>
+                      </m:rPr>
+                      <a:rPr lang="en-AU" b="0"/>
+                      <m:t>Confidence</m:t>
+                    </m:r>
+                    <m:d>
+                      <m:dPr>
+                        <m:ctrlPr>
+                          <a:rPr lang="ar-AE" sz="1200" b="0" i="1" kern="1200">
+                            <a:solidFill>
+                              <a:schemeClr val="tx1"/>
+                            </a:solidFill>
+                            <a:latin typeface="Cambria Math" panose="02040503050406030204" pitchFamily="18" charset="0"/>
+                            <a:ea typeface="ＭＳ Ｐゴシック" charset="0"/>
+                            <a:cs typeface="Arial" charset="0"/>
+                          </a:rPr>
+                        </m:ctrlPr>
+                      </m:dPr>
+                      <m:e>
+                        <m:r>
+                          <a:rPr lang="ar-AE" b="0" i="1">
+                            <a:latin typeface="Cambria Math" panose="02040503050406030204" pitchFamily="18" charset="0"/>
+                          </a:rPr>
+                          <m:t>𝑋</m:t>
+                        </m:r>
+                        <m:r>
+                          <a:rPr lang="ar-AE" sz="1200" b="0" i="0" kern="1200">
+                            <a:solidFill>
+                              <a:schemeClr val="tx1"/>
+                            </a:solidFill>
+                            <a:latin typeface="Cambria Math" panose="02040503050406030204" pitchFamily="18" charset="0"/>
+                            <a:ea typeface="ＭＳ Ｐゴシック" charset="0"/>
+                            <a:cs typeface="Arial" charset="0"/>
+                          </a:rPr>
+                          <m:t>→</m:t>
+                        </m:r>
+                        <m:r>
+                          <a:rPr lang="ar-AE" sz="1200" b="0" i="1" kern="1200">
+                            <a:solidFill>
+                              <a:schemeClr val="tx1"/>
+                            </a:solidFill>
+                            <a:latin typeface="Cambria Math" panose="02040503050406030204" pitchFamily="18" charset="0"/>
+                            <a:ea typeface="ＭＳ Ｐゴシック" charset="0"/>
+                            <a:cs typeface="Arial" charset="0"/>
+                          </a:rPr>
+                          <m:t>𝑌</m:t>
+                        </m:r>
+                      </m:e>
+                    </m:d>
+                    <m:r>
+                      <a:rPr lang="ar-AE" sz="1200" b="0" i="0" kern="1200">
+                        <a:solidFill>
+                          <a:schemeClr val="tx1"/>
+                        </a:solidFill>
+                        <a:latin typeface="Cambria Math" panose="02040503050406030204" pitchFamily="18" charset="0"/>
+                        <a:ea typeface="ＭＳ Ｐゴシック" charset="0"/>
+                        <a:cs typeface="Arial" charset="0"/>
+                      </a:rPr>
+                      <m:t>=</m:t>
+                    </m:r>
+                    <m:f>
+                      <m:fPr>
+                        <m:ctrlPr>
+                          <a:rPr lang="ar-AE" sz="1200" b="0" i="1" kern="1200">
+                            <a:solidFill>
+                              <a:schemeClr val="tx1"/>
+                            </a:solidFill>
+                            <a:latin typeface="Cambria Math" panose="02040503050406030204" pitchFamily="18" charset="0"/>
+                            <a:ea typeface="ＭＳ Ｐゴシック" charset="0"/>
+                            <a:cs typeface="Arial" charset="0"/>
+                          </a:rPr>
+                        </m:ctrlPr>
+                      </m:fPr>
+                      <m:num>
+                        <m:r>
+                          <m:rPr>
+                            <m:nor/>
+                          </m:rPr>
+                          <a:rPr lang="en-AU" sz="1200" b="0" i="1" kern="1200">
+                            <a:solidFill>
+                              <a:schemeClr val="tx1"/>
+                            </a:solidFill>
+                            <a:latin typeface="Arial" charset="0"/>
+                            <a:ea typeface="ＭＳ Ｐゴシック" charset="0"/>
+                            <a:cs typeface="Arial" charset="0"/>
+                          </a:rPr>
+                          <m:t>Support</m:t>
+                        </m:r>
+                        <m:d>
+                          <m:dPr>
+                            <m:ctrlPr>
+                              <a:rPr lang="ar-AE" sz="1200" b="0" i="1" kern="1200">
+                                <a:solidFill>
+                                  <a:schemeClr val="tx1"/>
+                                </a:solidFill>
+                                <a:latin typeface="Cambria Math" panose="02040503050406030204" pitchFamily="18" charset="0"/>
+                                <a:ea typeface="ＭＳ Ｐゴシック" charset="0"/>
+                                <a:cs typeface="Arial" charset="0"/>
+                              </a:rPr>
+                            </m:ctrlPr>
+                          </m:dPr>
+                          <m:e>
+                            <m:r>
+                              <a:rPr lang="ar-AE" sz="1200" b="0" i="1" kern="1200">
+                                <a:solidFill>
+                                  <a:schemeClr val="tx1"/>
+                                </a:solidFill>
+                                <a:latin typeface="Cambria Math" panose="02040503050406030204" pitchFamily="18" charset="0"/>
+                                <a:ea typeface="ＭＳ Ｐゴシック" charset="0"/>
+                                <a:cs typeface="Arial" charset="0"/>
+                              </a:rPr>
+                              <m:t>𝑋</m:t>
+                            </m:r>
+                            <m:r>
+                              <a:rPr lang="ar-AE" sz="1200" b="0" i="0" kern="1200">
+                                <a:solidFill>
+                                  <a:schemeClr val="tx1"/>
+                                </a:solidFill>
+                                <a:latin typeface="Cambria Math" panose="02040503050406030204" pitchFamily="18" charset="0"/>
+                                <a:ea typeface="ＭＳ Ｐゴシック" charset="0"/>
+                                <a:cs typeface="Arial" charset="0"/>
+                              </a:rPr>
+                              <m:t>∪</m:t>
+                            </m:r>
+                            <m:r>
+                              <a:rPr lang="ar-AE" sz="1200" b="0" i="1" kern="1200">
+                                <a:solidFill>
+                                  <a:schemeClr val="tx1"/>
+                                </a:solidFill>
+                                <a:latin typeface="Cambria Math" panose="02040503050406030204" pitchFamily="18" charset="0"/>
+                                <a:ea typeface="ＭＳ Ｐゴシック" charset="0"/>
+                                <a:cs typeface="Arial" charset="0"/>
+                              </a:rPr>
+                              <m:t>𝑌</m:t>
+                            </m:r>
+                          </m:e>
+                        </m:d>
+                      </m:num>
+                      <m:den>
+                        <m:r>
+                          <m:rPr>
+                            <m:nor/>
+                          </m:rPr>
+                          <a:rPr lang="en-AU" sz="1200" b="0" i="1" kern="1200">
+                            <a:solidFill>
+                              <a:schemeClr val="tx1"/>
+                            </a:solidFill>
+                            <a:latin typeface="Arial" charset="0"/>
+                            <a:ea typeface="ＭＳ Ｐゴシック" charset="0"/>
+                            <a:cs typeface="Arial" charset="0"/>
+                          </a:rPr>
+                          <m:t>Support</m:t>
+                        </m:r>
+                        <m:d>
+                          <m:dPr>
+                            <m:ctrlPr>
+                              <a:rPr lang="ar-AE" sz="1200" b="0" i="1" kern="1200">
+                                <a:solidFill>
+                                  <a:schemeClr val="tx1"/>
+                                </a:solidFill>
+                                <a:latin typeface="Cambria Math" panose="02040503050406030204" pitchFamily="18" charset="0"/>
+                                <a:ea typeface="ＭＳ Ｐゴシック" charset="0"/>
+                                <a:cs typeface="Arial" charset="0"/>
+                              </a:rPr>
+                            </m:ctrlPr>
+                          </m:dPr>
+                          <m:e>
+                            <m:r>
+                              <a:rPr lang="ar-AE" sz="1200" b="0" i="1" kern="1200">
+                                <a:solidFill>
+                                  <a:schemeClr val="tx1"/>
+                                </a:solidFill>
+                                <a:latin typeface="Cambria Math" panose="02040503050406030204" pitchFamily="18" charset="0"/>
+                                <a:ea typeface="ＭＳ Ｐゴシック" charset="0"/>
+                                <a:cs typeface="Arial" charset="0"/>
+                              </a:rPr>
+                              <m:t>𝑋</m:t>
+                            </m:r>
+                          </m:e>
+                        </m:d>
+                      </m:den>
+                    </m:f>
+                  </m:oMath>
+                </a14:m>
+                <a:br>
+                  <a:rPr lang="ar-AE" sz="1200" b="0" i="0" kern="1200" dirty="0">
+                    <a:solidFill>
+                      <a:schemeClr val="tx1"/>
+                    </a:solidFill>
+                    <a:effectLst/>
+                    <a:latin typeface="Arial" charset="0"/>
+                    <a:ea typeface="ＭＳ Ｐゴシック" charset="0"/>
+                    <a:cs typeface="Arial" charset="0"/>
+                  </a:rPr>
+                </a:br>
+                <a:br>
+                  <a:rPr lang="en-US" sz="1200" b="0" i="0" kern="1200" dirty="0">
+                    <a:solidFill>
+                      <a:schemeClr val="tx1"/>
+                    </a:solidFill>
+                    <a:effectLst/>
+                    <a:latin typeface="Arial" charset="0"/>
+                    <a:ea typeface="ＭＳ Ｐゴシック" charset="0"/>
+                    <a:cs typeface="Arial" charset="0"/>
+                  </a:rPr>
+                </a:br>
+                <a:endParaRPr lang="en-AU" dirty="0"/>
+              </a:p>
+            </p:txBody>
+          </p:sp>
+        </mc:Choice>
+        <mc:Fallback xmlns="">
+          <p:sp>
+            <p:nvSpPr>
+              <p:cNvPr id="3" name="Notes Placeholder 2"/>
+              <p:cNvSpPr>
+                <a:spLocks noGrp="1"/>
+              </p:cNvSpPr>
+              <p:nvPr>
+                <p:ph type="body" idx="1"/>
+              </p:nvPr>
+            </p:nvSpPr>
+            <p:spPr/>
+            <p:txBody>
+              <a:bodyPr/>
+              <a:lstStyle/>
+              <a:p>
+                <a:r>
+                  <a:rPr lang="en-US" sz="1200" b="1" i="0" kern="1200" dirty="0">
+                    <a:solidFill>
+                      <a:schemeClr val="tx1"/>
+                    </a:solidFill>
+                    <a:effectLst/>
+                    <a:latin typeface="Arial" charset="0"/>
+                    <a:ea typeface="ＭＳ Ｐゴシック" charset="0"/>
+                    <a:cs typeface="Arial" charset="0"/>
+                  </a:rPr>
+                  <a:t>Support:</a:t>
+                </a:r>
+                <a:r>
+                  <a:rPr lang="en-US" sz="1200" b="0" i="0" kern="1200" dirty="0">
+                    <a:solidFill>
+                      <a:schemeClr val="tx1"/>
+                    </a:solidFill>
+                    <a:effectLst/>
+                    <a:latin typeface="Arial" charset="0"/>
+                    <a:ea typeface="ＭＳ Ｐゴシック" charset="0"/>
+                    <a:cs typeface="Arial" charset="0"/>
+                  </a:rPr>
+                  <a:t> Fraction of transactions containing the </a:t>
+                </a:r>
+                <a:r>
+                  <a:rPr lang="en-US" sz="1200" b="0" i="0" kern="1200" dirty="0" err="1">
+                    <a:solidFill>
+                      <a:schemeClr val="tx1"/>
+                    </a:solidFill>
+                    <a:effectLst/>
+                    <a:latin typeface="Arial" charset="0"/>
+                    <a:ea typeface="ＭＳ Ｐゴシック" charset="0"/>
+                    <a:cs typeface="Arial" charset="0"/>
+                  </a:rPr>
+                  <a:t>itemsets</a:t>
+                </a:r>
+                <a:r>
+                  <a:rPr lang="en-US" sz="1200" b="0" i="0" kern="1200" dirty="0">
+                    <a:solidFill>
+                      <a:schemeClr val="tx1"/>
+                    </a:solidFill>
+                    <a:effectLst/>
+                    <a:latin typeface="Arial" charset="0"/>
+                    <a:ea typeface="ＭＳ Ｐゴシック" charset="0"/>
+                    <a:cs typeface="Arial" charset="0"/>
+                  </a:rPr>
+                  <a:t> in both X and Y.</a:t>
+                </a:r>
+              </a:p>
+              <a:p>
+                <a:pPr marL="171450" indent="-171450">
+                  <a:buFont typeface="Arial" panose="020B0604020202020204" pitchFamily="34" charset="0"/>
+                  <a:buChar char="•"/>
+                </a:pPr>
+                <a:r>
+                  <a:rPr lang="en-US" sz="1200" kern="1200" dirty="0">
+                    <a:solidFill>
+                      <a:schemeClr val="tx1"/>
+                    </a:solidFill>
+                    <a:effectLst/>
+                    <a:latin typeface="Arial" charset="0"/>
+                    <a:ea typeface="ＭＳ Ｐゴシック" charset="0"/>
+                    <a:cs typeface="Arial" charset="0"/>
+                  </a:rPr>
+                  <a:t>Support</a:t>
+                </a:r>
+                <a:r>
+                  <a:rPr lang="en-US" dirty="0">
+                    <a:effectLst/>
+                  </a:rPr>
+                  <a:t>(</a:t>
+                </a:r>
+                <a:r>
+                  <a:rPr lang="en-US" sz="1200" i="1" kern="1200" dirty="0">
+                    <a:solidFill>
+                      <a:schemeClr val="tx1"/>
+                    </a:solidFill>
+                    <a:effectLst/>
+                    <a:latin typeface="Arial" charset="0"/>
+                    <a:ea typeface="ＭＳ Ｐゴシック" charset="0"/>
+                    <a:cs typeface="Arial" charset="0"/>
+                  </a:rPr>
+                  <a:t>X</a:t>
+                </a:r>
+                <a:r>
+                  <a:rPr lang="en-US" dirty="0">
+                    <a:effectLst/>
+                  </a:rPr>
+                  <a:t>→</a:t>
+                </a:r>
+                <a:r>
+                  <a:rPr lang="en-US" sz="1200" i="1" kern="1200" dirty="0">
+                    <a:solidFill>
+                      <a:schemeClr val="tx1"/>
+                    </a:solidFill>
+                    <a:effectLst/>
+                    <a:latin typeface="Arial" charset="0"/>
+                    <a:ea typeface="ＭＳ Ｐゴシック" charset="0"/>
+                    <a:cs typeface="Arial" charset="0"/>
+                  </a:rPr>
+                  <a:t>Y</a:t>
+                </a:r>
+                <a:r>
+                  <a:rPr lang="en-US" dirty="0">
+                    <a:effectLst/>
+                  </a:rPr>
+                  <a:t>)=</a:t>
+                </a:r>
+                <a:r>
+                  <a:rPr lang="en-US" sz="1200" b="0" i="0" kern="1200" dirty="0">
+                    <a:solidFill>
+                      <a:schemeClr val="tx1"/>
+                    </a:solidFill>
+                    <a:effectLst/>
+                    <a:latin typeface="Arial" charset="0"/>
+                    <a:ea typeface="ＭＳ Ｐゴシック" charset="0"/>
+                    <a:cs typeface="Arial" charset="0"/>
+                  </a:rPr>
+                  <a:t>Total number of transactions/Number of transactions with (</a:t>
+                </a:r>
+                <a:r>
+                  <a:rPr lang="en-US" sz="1200" b="0" i="1" kern="1200" dirty="0">
+                    <a:solidFill>
+                      <a:schemeClr val="tx1"/>
+                    </a:solidFill>
+                    <a:effectLst/>
+                    <a:latin typeface="Arial" charset="0"/>
+                    <a:ea typeface="ＭＳ Ｐゴシック" charset="0"/>
+                    <a:cs typeface="Arial" charset="0"/>
+                  </a:rPr>
+                  <a:t>X</a:t>
+                </a:r>
+                <a:r>
+                  <a:rPr lang="en-US" sz="1200" b="0" i="0" kern="1200" dirty="0">
+                    <a:solidFill>
+                      <a:schemeClr val="tx1"/>
+                    </a:solidFill>
+                    <a:effectLst/>
+                    <a:latin typeface="Arial" charset="0"/>
+                    <a:ea typeface="ＭＳ Ｐゴシック" charset="0"/>
+                    <a:cs typeface="Arial" charset="0"/>
+                  </a:rPr>
+                  <a:t>∪</a:t>
+                </a:r>
+                <a:r>
+                  <a:rPr lang="en-US" sz="1200" b="0" i="1" kern="1200" dirty="0">
+                    <a:solidFill>
+                      <a:schemeClr val="tx1"/>
+                    </a:solidFill>
+                    <a:effectLst/>
+                    <a:latin typeface="Arial" charset="0"/>
+                    <a:ea typeface="ＭＳ Ｐゴシック" charset="0"/>
+                    <a:cs typeface="Arial" charset="0"/>
+                  </a:rPr>
+                  <a:t>Y</a:t>
+                </a:r>
+                <a:r>
+                  <a:rPr lang="en-US" sz="1200" b="0" i="0" kern="1200" dirty="0">
+                    <a:solidFill>
+                      <a:schemeClr val="tx1"/>
+                    </a:solidFill>
+                    <a:effectLst/>
+                    <a:latin typeface="Arial" charset="0"/>
+                    <a:ea typeface="ＭＳ Ｐゴシック" charset="0"/>
+                    <a:cs typeface="Arial" charset="0"/>
+                  </a:rPr>
+                  <a:t>)​</a:t>
+                </a:r>
+              </a:p>
+              <a:p>
+                <a:pPr rtl="0" fontAlgn="base"/>
+                <a:r>
+                  <a:rPr lang="en-AU" b="1" dirty="0">
+                    <a:effectLst/>
+                  </a:rPr>
+                  <a:t>Confidence:</a:t>
+                </a:r>
+                <a:r>
+                  <a:rPr lang="en-AU" dirty="0">
+                    <a:effectLst/>
+                  </a:rPr>
+                  <a:t> Probability that transactions with X also include Y.</a:t>
+                </a:r>
+                <a:r>
+                  <a:rPr lang="en-AU" baseline="0" dirty="0">
+                    <a:effectLst/>
+                  </a:rPr>
+                  <a:t> </a:t>
+                </a:r>
+              </a:p>
+              <a:p>
+                <a:pPr marL="171450" indent="-171450" rtl="0" fontAlgn="base">
+                  <a:buFont typeface="Arial" panose="020B0604020202020204" pitchFamily="34" charset="0"/>
+                  <a:buChar char="•"/>
+                </a:pPr>
+                <a:r>
+                  <a:rPr lang="en-AU" b="0" i="0">
+                    <a:latin typeface="Cambria Math" panose="02040503050406030204" pitchFamily="18" charset="0"/>
+                  </a:rPr>
+                  <a:t>"Confidence</a:t>
+                </a:r>
+                <a:r>
+                  <a:rPr lang="ar-AE" sz="1200" b="0" i="0" kern="1200">
+                    <a:solidFill>
+                      <a:schemeClr val="tx1"/>
+                    </a:solidFill>
+                  </a:rPr>
+                  <a:t>" </a:t>
+                </a:r>
+                <a:r>
+                  <a:rPr lang="ar-AE" sz="1200" b="0" i="0" kern="1200">
+                    <a:solidFill>
+                      <a:schemeClr val="tx1"/>
+                    </a:solidFill>
+                    <a:latin typeface="Arial" charset="0"/>
+                    <a:ea typeface="ＭＳ Ｐゴシック" charset="0"/>
+                    <a:cs typeface="Arial" charset="0"/>
+                  </a:rPr>
+                  <a:t>(</a:t>
+                </a:r>
+                <a:r>
+                  <a:rPr lang="ar-AE" b="0" i="0"/>
+                  <a:t>𝑋</a:t>
+                </a:r>
+                <a:r>
+                  <a:rPr lang="ar-AE" sz="1200" b="0" i="0" kern="1200">
+                    <a:solidFill>
+                      <a:schemeClr val="tx1"/>
+                    </a:solidFill>
+                    <a:latin typeface="Arial" charset="0"/>
+                    <a:ea typeface="ＭＳ Ｐゴシック" charset="0"/>
+                    <a:cs typeface="Arial" charset="0"/>
+                  </a:rPr>
+                  <a:t>→𝑌)=</a:t>
+                </a:r>
+                <a:r>
+                  <a:rPr lang="en-AU" sz="1200" b="0" i="0" kern="1200">
+                    <a:solidFill>
+                      <a:schemeClr val="tx1"/>
+                    </a:solidFill>
+                    <a:latin typeface="Arial" charset="0"/>
+                    <a:ea typeface="ＭＳ Ｐゴシック" charset="0"/>
+                    <a:cs typeface="Arial" charset="0"/>
+                  </a:rPr>
+                  <a:t>"Support</a:t>
+                </a:r>
+                <a:r>
+                  <a:rPr lang="ar-AE" sz="1200" b="0" i="0" kern="1200">
+                    <a:solidFill>
+                      <a:schemeClr val="tx1"/>
+                    </a:solidFill>
+                    <a:latin typeface="Arial" charset="0"/>
+                    <a:ea typeface="ＭＳ Ｐゴシック" charset="0"/>
+                    <a:cs typeface="Arial" charset="0"/>
+                  </a:rPr>
+                  <a:t>" (𝑋∪𝑌)/</a:t>
+                </a:r>
+                <a:r>
+                  <a:rPr lang="en-AU" sz="1200" b="0" i="0" kern="1200">
+                    <a:solidFill>
+                      <a:schemeClr val="tx1"/>
+                    </a:solidFill>
+                    <a:latin typeface="Arial" charset="0"/>
+                    <a:ea typeface="ＭＳ Ｐゴシック" charset="0"/>
+                    <a:cs typeface="Arial" charset="0"/>
+                  </a:rPr>
+                  <a:t>"Support</a:t>
+                </a:r>
+                <a:r>
+                  <a:rPr lang="ar-AE" sz="1200" b="0" i="0" kern="1200">
+                    <a:solidFill>
+                      <a:schemeClr val="tx1"/>
+                    </a:solidFill>
+                    <a:latin typeface="Arial" charset="0"/>
+                    <a:ea typeface="ＭＳ Ｐゴシック" charset="0"/>
+                    <a:cs typeface="Arial" charset="0"/>
+                  </a:rPr>
+                  <a:t>" (𝑋) </a:t>
+                </a:r>
+                <a:br>
+                  <a:rPr lang="ar-AE" sz="1200" b="0" i="0" kern="1200" dirty="0">
+                    <a:solidFill>
+                      <a:schemeClr val="tx1"/>
+                    </a:solidFill>
+                    <a:effectLst/>
+                    <a:latin typeface="Arial" charset="0"/>
+                    <a:ea typeface="ＭＳ Ｐゴシック" charset="0"/>
+                    <a:cs typeface="Arial" charset="0"/>
+                  </a:rPr>
+                </a:br>
+                <a:br>
+                  <a:rPr lang="en-US" sz="1200" b="0" i="0" kern="1200" dirty="0">
+                    <a:solidFill>
+                      <a:schemeClr val="tx1"/>
+                    </a:solidFill>
+                    <a:effectLst/>
+                    <a:latin typeface="Arial" charset="0"/>
+                    <a:ea typeface="ＭＳ Ｐゴシック" charset="0"/>
+                    <a:cs typeface="Arial" charset="0"/>
+                  </a:rPr>
+                </a:br>
+                <a:endParaRPr lang="en-AU" dirty="0"/>
+              </a:p>
+            </p:txBody>
+          </p:sp>
+        </mc:Fallback>
+      </mc:AlternateContent>
       <p:sp>
         <p:nvSpPr>
-          <p:cNvPr id="3" name="Notes Placeholder 2"/>
+          <p:cNvPr id="4" name="Slide Number Placeholder 3"/>
+          <p:cNvSpPr>
+            <a:spLocks noGrp="1"/>
+          </p:cNvSpPr>
+          <p:nvPr>
+            <p:ph type="sldNum" sz="quarter" idx="5"/>
+          </p:nvPr>
+        </p:nvSpPr>
+        <p:spPr/>
+        <p:txBody>
+          <a:bodyPr/>
+          <a:lstStyle/>
+          <a:p>
+            <a:fld id="{6D6AA351-6953-1E48-8EC4-68F89E579C6C}" type="slidenum">
+              <a:rPr lang="en-US" smtClean="0"/>
+              <a:pPr/>
+              <a:t>11</a:t>
+            </a:fld>
+            <a:endParaRPr lang="en-US"/>
+          </a:p>
+        </p:txBody>
+      </p:sp>
+    </p:spTree>
+    <p:extLst>
+      <p:ext uri="{BB962C8B-B14F-4D97-AF65-F5344CB8AC3E}">
+        <p14:creationId xmlns:p14="http://schemas.microsoft.com/office/powerpoint/2010/main" val="2135728078"/>
+      </p:ext>
+    </p:extLst>
+  </p:cSld>
+  <p:clrMapOvr>
+    <a:masterClrMapping/>
+  </p:clrMapOvr>
+</p:notes>
+</file>
+
+<file path=ppt/notesSlides/notesSlide8.xml><?xml version="1.0" encoding="utf-8"?>
+<p:notes xmlns:a="http://schemas.openxmlformats.org/drawingml/2006/main" xmlns:r="http://schemas.openxmlformats.org/officeDocument/2006/relationships" xmlns:p="http://schemas.openxmlformats.org/presentationml/2006/main">
+  <p:cSld>
+    <p:spTree>
+      <p:nvGrpSpPr>
+        <p:cNvPr id="1" name=""/>
+        <p:cNvGrpSpPr/>
+        <p:nvPr/>
+      </p:nvGrpSpPr>
+      <p:grpSpPr>
+        <a:xfrm>
+          <a:off x="0" y="0"/>
+          <a:ext cx="0" cy="0"/>
+          <a:chOff x="0" y="0"/>
+          <a:chExt cx="0" cy="0"/>
+        </a:xfrm>
+      </p:grpSpPr>
+      <p:sp>
+        <p:nvSpPr>
+          <p:cNvPr id="2" name="Slide Image Placeholder 1"/>
+          <p:cNvSpPr>
+            <a:spLocks noGrp="1" noRot="1" noChangeAspect="1"/>
+          </p:cNvSpPr>
+          <p:nvPr>
+            <p:ph type="sldImg"/>
+          </p:nvPr>
+        </p:nvSpPr>
+        <p:spPr/>
+      </p:sp>
+      <mc:AlternateContent xmlns:mc="http://schemas.openxmlformats.org/markup-compatibility/2006" xmlns:a14="http://schemas.microsoft.com/office/drawing/2010/main">
+        <mc:Choice Requires="a14">
+          <p:sp>
+            <p:nvSpPr>
+              <p:cNvPr id="3" name="Notes Placeholder 2"/>
+              <p:cNvSpPr>
+                <a:spLocks noGrp="1"/>
+              </p:cNvSpPr>
+              <p:nvPr>
+                <p:ph type="body" idx="1"/>
+              </p:nvPr>
+            </p:nvSpPr>
+            <p:spPr/>
+            <p:txBody>
+              <a:bodyPr/>
+              <a:lstStyle/>
+              <a:p>
+                <a:pPr rtl="0" fontAlgn="base"/>
+                <a:r>
+                  <a:rPr lang="en-AU" sz="1200" b="1" i="0" kern="1200" dirty="0">
+                    <a:solidFill>
+                      <a:schemeClr val="tx1"/>
+                    </a:solidFill>
+                    <a:effectLst/>
+                    <a:latin typeface="Arial" charset="0"/>
+                    <a:ea typeface="ＭＳ Ｐゴシック" charset="0"/>
+                    <a:cs typeface="Arial" charset="0"/>
+                  </a:rPr>
+                  <a:t>Lift:</a:t>
+                </a:r>
+                <a:r>
+                  <a:rPr lang="en-AU" sz="1200" b="0" i="0" kern="1200" dirty="0">
+                    <a:solidFill>
+                      <a:schemeClr val="tx1"/>
+                    </a:solidFill>
+                    <a:effectLst/>
+                    <a:latin typeface="Arial" charset="0"/>
+                    <a:ea typeface="ＭＳ Ｐゴシック" charset="0"/>
+                    <a:cs typeface="Arial" charset="0"/>
+                  </a:rPr>
+                  <a:t> The ratio of observed support to that expected if X and Y were independent.</a:t>
+                </a:r>
+              </a:p>
+              <a:p>
+                <a:pPr rtl="0" fontAlgn="base"/>
+                <a14:m>
+                  <m:oMathPara xmlns:m="http://schemas.openxmlformats.org/officeDocument/2006/math">
+                    <m:oMathParaPr>
+                      <m:jc m:val="centerGroup"/>
+                    </m:oMathParaPr>
+                    <m:oMath xmlns:m="http://schemas.openxmlformats.org/officeDocument/2006/math">
+                      <m:r>
+                        <m:rPr>
+                          <m:nor/>
+                        </m:rPr>
+                        <a:rPr lang="en-AU" b="0"/>
+                        <m:t>Lift</m:t>
+                      </m:r>
+                      <m:d>
+                        <m:dPr>
+                          <m:ctrlPr>
+                            <a:rPr lang="ar-AE" sz="1200" b="0" i="1" kern="1200">
+                              <a:solidFill>
+                                <a:schemeClr val="tx1"/>
+                              </a:solidFill>
+                              <a:latin typeface="Cambria Math" panose="02040503050406030204" pitchFamily="18" charset="0"/>
+                              <a:ea typeface="ＭＳ Ｐゴシック" charset="0"/>
+                              <a:cs typeface="Arial" charset="0"/>
+                            </a:rPr>
+                          </m:ctrlPr>
+                        </m:dPr>
+                        <m:e>
+                          <m:r>
+                            <a:rPr lang="ar-AE" b="0" i="1">
+                              <a:latin typeface="Cambria Math" panose="02040503050406030204" pitchFamily="18" charset="0"/>
+                            </a:rPr>
+                            <m:t>𝑋</m:t>
+                          </m:r>
+                          <m:r>
+                            <a:rPr lang="ar-AE" sz="1200" b="0" i="0" kern="1200">
+                              <a:solidFill>
+                                <a:schemeClr val="tx1"/>
+                              </a:solidFill>
+                              <a:latin typeface="Cambria Math" panose="02040503050406030204" pitchFamily="18" charset="0"/>
+                              <a:ea typeface="ＭＳ Ｐゴシック" charset="0"/>
+                              <a:cs typeface="Arial" charset="0"/>
+                            </a:rPr>
+                            <m:t>→</m:t>
+                          </m:r>
+                          <m:r>
+                            <a:rPr lang="ar-AE" sz="1200" b="0" i="1" kern="1200">
+                              <a:solidFill>
+                                <a:schemeClr val="tx1"/>
+                              </a:solidFill>
+                              <a:latin typeface="Cambria Math" panose="02040503050406030204" pitchFamily="18" charset="0"/>
+                              <a:ea typeface="ＭＳ Ｐゴシック" charset="0"/>
+                              <a:cs typeface="Arial" charset="0"/>
+                            </a:rPr>
+                            <m:t>𝑌</m:t>
+                          </m:r>
+                        </m:e>
+                      </m:d>
+                      <m:r>
+                        <a:rPr lang="ar-AE" sz="1200" b="0" i="0" kern="1200">
+                          <a:solidFill>
+                            <a:schemeClr val="tx1"/>
+                          </a:solidFill>
+                          <a:latin typeface="Cambria Math" panose="02040503050406030204" pitchFamily="18" charset="0"/>
+                          <a:ea typeface="ＭＳ Ｐゴシック" charset="0"/>
+                          <a:cs typeface="Arial" charset="0"/>
+                        </a:rPr>
+                        <m:t>=</m:t>
+                      </m:r>
+                      <m:f>
+                        <m:fPr>
+                          <m:ctrlPr>
+                            <a:rPr lang="ar-AE" sz="1200" b="0" i="1" kern="1200">
+                              <a:solidFill>
+                                <a:schemeClr val="tx1"/>
+                              </a:solidFill>
+                              <a:latin typeface="Cambria Math" panose="02040503050406030204" pitchFamily="18" charset="0"/>
+                              <a:ea typeface="ＭＳ Ｐゴシック" charset="0"/>
+                              <a:cs typeface="Arial" charset="0"/>
+                            </a:rPr>
+                          </m:ctrlPr>
+                        </m:fPr>
+                        <m:num>
+                          <m:r>
+                            <m:rPr>
+                              <m:nor/>
+                            </m:rPr>
+                            <a:rPr lang="en-AU" sz="1200" b="0" i="1" kern="1200">
+                              <a:solidFill>
+                                <a:schemeClr val="tx1"/>
+                              </a:solidFill>
+                              <a:latin typeface="Arial" charset="0"/>
+                              <a:ea typeface="ＭＳ Ｐゴシック" charset="0"/>
+                              <a:cs typeface="Arial" charset="0"/>
+                            </a:rPr>
+                            <m:t>Confidence</m:t>
+                          </m:r>
+                          <m:d>
+                            <m:dPr>
+                              <m:ctrlPr>
+                                <a:rPr lang="ar-AE" sz="1200" b="0" i="1" kern="1200">
+                                  <a:solidFill>
+                                    <a:schemeClr val="tx1"/>
+                                  </a:solidFill>
+                                  <a:latin typeface="Cambria Math" panose="02040503050406030204" pitchFamily="18" charset="0"/>
+                                  <a:ea typeface="ＭＳ Ｐゴシック" charset="0"/>
+                                  <a:cs typeface="Arial" charset="0"/>
+                                </a:rPr>
+                              </m:ctrlPr>
+                            </m:dPr>
+                            <m:e>
+                              <m:r>
+                                <a:rPr lang="ar-AE" sz="1200" b="0" i="1" kern="1200">
+                                  <a:solidFill>
+                                    <a:schemeClr val="tx1"/>
+                                  </a:solidFill>
+                                  <a:latin typeface="Cambria Math" panose="02040503050406030204" pitchFamily="18" charset="0"/>
+                                  <a:ea typeface="ＭＳ Ｐゴシック" charset="0"/>
+                                  <a:cs typeface="Arial" charset="0"/>
+                                </a:rPr>
+                                <m:t>𝑋</m:t>
+                              </m:r>
+                              <m:r>
+                                <a:rPr lang="ar-AE" sz="1200" b="0" i="0" kern="1200">
+                                  <a:solidFill>
+                                    <a:schemeClr val="tx1"/>
+                                  </a:solidFill>
+                                  <a:latin typeface="Cambria Math" panose="02040503050406030204" pitchFamily="18" charset="0"/>
+                                  <a:ea typeface="ＭＳ Ｐゴシック" charset="0"/>
+                                  <a:cs typeface="Arial" charset="0"/>
+                                </a:rPr>
+                                <m:t>→</m:t>
+                              </m:r>
+                              <m:r>
+                                <a:rPr lang="ar-AE" sz="1200" b="0" i="1" kern="1200">
+                                  <a:solidFill>
+                                    <a:schemeClr val="tx1"/>
+                                  </a:solidFill>
+                                  <a:latin typeface="Cambria Math" panose="02040503050406030204" pitchFamily="18" charset="0"/>
+                                  <a:ea typeface="ＭＳ Ｐゴシック" charset="0"/>
+                                  <a:cs typeface="Arial" charset="0"/>
+                                </a:rPr>
+                                <m:t>𝑌</m:t>
+                              </m:r>
+                            </m:e>
+                          </m:d>
+                        </m:num>
+                        <m:den>
+                          <m:r>
+                            <m:rPr>
+                              <m:nor/>
+                            </m:rPr>
+                            <a:rPr lang="en-AU" sz="1200" b="0" i="1" kern="1200">
+                              <a:solidFill>
+                                <a:schemeClr val="tx1"/>
+                              </a:solidFill>
+                              <a:latin typeface="Arial" charset="0"/>
+                              <a:ea typeface="ＭＳ Ｐゴシック" charset="0"/>
+                              <a:cs typeface="Arial" charset="0"/>
+                            </a:rPr>
+                            <m:t>Support</m:t>
+                          </m:r>
+                          <m:d>
+                            <m:dPr>
+                              <m:ctrlPr>
+                                <a:rPr lang="ar-AE" sz="1200" b="0" i="1" kern="1200">
+                                  <a:solidFill>
+                                    <a:schemeClr val="tx1"/>
+                                  </a:solidFill>
+                                  <a:latin typeface="Cambria Math" panose="02040503050406030204" pitchFamily="18" charset="0"/>
+                                  <a:ea typeface="ＭＳ Ｐゴシック" charset="0"/>
+                                  <a:cs typeface="Arial" charset="0"/>
+                                </a:rPr>
+                              </m:ctrlPr>
+                            </m:dPr>
+                            <m:e>
+                              <m:r>
+                                <a:rPr lang="ar-AE" sz="1200" b="0" i="1" kern="1200">
+                                  <a:solidFill>
+                                    <a:schemeClr val="tx1"/>
+                                  </a:solidFill>
+                                  <a:latin typeface="Cambria Math" panose="02040503050406030204" pitchFamily="18" charset="0"/>
+                                  <a:ea typeface="ＭＳ Ｐゴシック" charset="0"/>
+                                  <a:cs typeface="Arial" charset="0"/>
+                                </a:rPr>
+                                <m:t>𝑌</m:t>
+                              </m:r>
+                            </m:e>
+                          </m:d>
+                        </m:den>
+                      </m:f>
+                    </m:oMath>
+                  </m:oMathPara>
+                </a14:m>
+                <a:endParaRPr lang="ar-AE" sz="1200" b="0" i="1" kern="1200" dirty="0">
+                  <a:solidFill>
+                    <a:schemeClr val="tx1"/>
+                  </a:solidFill>
+                  <a:effectLst/>
+                  <a:latin typeface="Arial" charset="0"/>
+                  <a:ea typeface="ＭＳ Ｐゴシック" charset="0"/>
+                  <a:cs typeface="Arial" charset="0"/>
+                </a:endParaRPr>
+              </a:p>
+              <a:p>
+                <a:pPr fontAlgn="base"/>
+                <a:r>
+                  <a:rPr lang="en-AU" sz="1200" b="0" i="0" kern="1200" dirty="0">
+                    <a:solidFill>
+                      <a:schemeClr val="tx1"/>
+                    </a:solidFill>
+                    <a:effectLst/>
+                    <a:latin typeface="Arial" charset="0"/>
+                    <a:ea typeface="ＭＳ Ｐゴシック" charset="0"/>
+                    <a:cs typeface="Arial" charset="0"/>
+                  </a:rPr>
+                  <a:t>Lift &gt; 1 implies a positive association — items occur together more than expected.</a:t>
+                </a:r>
+              </a:p>
+              <a:p>
+                <a:pPr fontAlgn="base"/>
+                <a:r>
+                  <a:rPr lang="en-AU" sz="1200" b="0" i="0" kern="1200" dirty="0">
+                    <a:solidFill>
+                      <a:schemeClr val="tx1"/>
+                    </a:solidFill>
+                    <a:effectLst/>
+                    <a:latin typeface="Arial" charset="0"/>
+                    <a:ea typeface="ＭＳ Ｐゴシック" charset="0"/>
+                    <a:cs typeface="Arial" charset="0"/>
+                  </a:rPr>
+                  <a:t>Lift = 1 implies independence.</a:t>
+                </a:r>
+              </a:p>
+              <a:p>
+                <a:pPr fontAlgn="base"/>
+                <a:r>
+                  <a:rPr lang="en-AU" sz="1200" b="0" i="0" kern="1200" dirty="0">
+                    <a:solidFill>
+                      <a:schemeClr val="tx1"/>
+                    </a:solidFill>
+                    <a:effectLst/>
+                    <a:latin typeface="Arial" charset="0"/>
+                    <a:ea typeface="ＭＳ Ｐゴシック" charset="0"/>
+                    <a:cs typeface="Arial" charset="0"/>
+                  </a:rPr>
+                  <a:t>Lift &lt; 1 implies a negative association.</a:t>
+                </a:r>
+              </a:p>
+              <a:p>
+                <a:endParaRPr lang="en-AU" dirty="0"/>
+              </a:p>
+            </p:txBody>
+          </p:sp>
+        </mc:Choice>
+        <mc:Fallback xmlns="">
+          <p:sp>
+            <p:nvSpPr>
+              <p:cNvPr id="3" name="Notes Placeholder 2"/>
+              <p:cNvSpPr>
+                <a:spLocks noGrp="1"/>
+              </p:cNvSpPr>
+              <p:nvPr>
+                <p:ph type="body" idx="1"/>
+              </p:nvPr>
+            </p:nvSpPr>
+            <p:spPr/>
+            <p:txBody>
+              <a:bodyPr/>
+              <a:lstStyle/>
+              <a:p>
+                <a:pPr rtl="0" fontAlgn="base"/>
+                <a:r>
+                  <a:rPr lang="en-AU" sz="1200" b="1" i="0" kern="1200" dirty="0">
+                    <a:solidFill>
+                      <a:schemeClr val="tx1"/>
+                    </a:solidFill>
+                    <a:effectLst/>
+                    <a:latin typeface="Arial" charset="0"/>
+                    <a:ea typeface="ＭＳ Ｐゴシック" charset="0"/>
+                    <a:cs typeface="Arial" charset="0"/>
+                  </a:rPr>
+                  <a:t>Lift:</a:t>
+                </a:r>
+                <a:r>
+                  <a:rPr lang="en-AU" sz="1200" b="0" i="0" kern="1200" dirty="0">
+                    <a:solidFill>
+                      <a:schemeClr val="tx1"/>
+                    </a:solidFill>
+                    <a:effectLst/>
+                    <a:latin typeface="Arial" charset="0"/>
+                    <a:ea typeface="ＭＳ Ｐゴシック" charset="0"/>
+                    <a:cs typeface="Arial" charset="0"/>
+                  </a:rPr>
+                  <a:t> The ratio of observed support to that expected if X and Y were independent.</a:t>
+                </a:r>
+              </a:p>
+              <a:p>
+                <a:pPr rtl="0" fontAlgn="base"/>
+                <a:r>
+                  <a:rPr lang="en-AU" b="0" i="0">
+                    <a:latin typeface="Cambria Math" panose="02040503050406030204" pitchFamily="18" charset="0"/>
+                  </a:rPr>
+                  <a:t>"Lift</a:t>
+                </a:r>
+                <a:r>
+                  <a:rPr lang="ar-AE" sz="1200" b="0" i="0" kern="1200">
+                    <a:solidFill>
+                      <a:schemeClr val="tx1"/>
+                    </a:solidFill>
+                  </a:rPr>
+                  <a:t>" </a:t>
+                </a:r>
+                <a:r>
+                  <a:rPr lang="ar-AE" sz="1200" b="0" i="0" kern="1200">
+                    <a:solidFill>
+                      <a:schemeClr val="tx1"/>
+                    </a:solidFill>
+                    <a:latin typeface="Arial" charset="0"/>
+                    <a:ea typeface="ＭＳ Ｐゴシック" charset="0"/>
+                    <a:cs typeface="Arial" charset="0"/>
+                  </a:rPr>
+                  <a:t>(</a:t>
+                </a:r>
+                <a:r>
+                  <a:rPr lang="ar-AE" b="0" i="0"/>
+                  <a:t>𝑋</a:t>
+                </a:r>
+                <a:r>
+                  <a:rPr lang="ar-AE" sz="1200" b="0" i="0" kern="1200">
+                    <a:solidFill>
+                      <a:schemeClr val="tx1"/>
+                    </a:solidFill>
+                    <a:latin typeface="Arial" charset="0"/>
+                    <a:ea typeface="ＭＳ Ｐゴシック" charset="0"/>
+                    <a:cs typeface="Arial" charset="0"/>
+                  </a:rPr>
+                  <a:t>→𝑌)=</a:t>
+                </a:r>
+                <a:r>
+                  <a:rPr lang="en-AU" sz="1200" b="0" i="0" kern="1200">
+                    <a:solidFill>
+                      <a:schemeClr val="tx1"/>
+                    </a:solidFill>
+                    <a:latin typeface="Arial" charset="0"/>
+                    <a:ea typeface="ＭＳ Ｐゴシック" charset="0"/>
+                    <a:cs typeface="Arial" charset="0"/>
+                  </a:rPr>
+                  <a:t>"Confidence</a:t>
+                </a:r>
+                <a:r>
+                  <a:rPr lang="ar-AE" sz="1200" b="0" i="0" kern="1200">
+                    <a:solidFill>
+                      <a:schemeClr val="tx1"/>
+                    </a:solidFill>
+                    <a:latin typeface="Arial" charset="0"/>
+                    <a:ea typeface="ＭＳ Ｐゴシック" charset="0"/>
+                    <a:cs typeface="Arial" charset="0"/>
+                  </a:rPr>
+                  <a:t>" (𝑋→𝑌)/</a:t>
+                </a:r>
+                <a:r>
+                  <a:rPr lang="en-AU" sz="1200" b="0" i="0" kern="1200">
+                    <a:solidFill>
+                      <a:schemeClr val="tx1"/>
+                    </a:solidFill>
+                    <a:latin typeface="Arial" charset="0"/>
+                    <a:ea typeface="ＭＳ Ｐゴシック" charset="0"/>
+                    <a:cs typeface="Arial" charset="0"/>
+                  </a:rPr>
+                  <a:t>"Support</a:t>
+                </a:r>
+                <a:r>
+                  <a:rPr lang="ar-AE" sz="1200" b="0" i="0" kern="1200">
+                    <a:solidFill>
+                      <a:schemeClr val="tx1"/>
+                    </a:solidFill>
+                    <a:latin typeface="Arial" charset="0"/>
+                    <a:ea typeface="ＭＳ Ｐゴシック" charset="0"/>
+                    <a:cs typeface="Arial" charset="0"/>
+                  </a:rPr>
+                  <a:t>" (𝑌) </a:t>
+                </a:r>
+                <a:endParaRPr lang="ar-AE" sz="1200" b="0" i="1" kern="1200" dirty="0">
+                  <a:solidFill>
+                    <a:schemeClr val="tx1"/>
+                  </a:solidFill>
+                  <a:effectLst/>
+                  <a:latin typeface="Arial" charset="0"/>
+                  <a:ea typeface="ＭＳ Ｐゴシック" charset="0"/>
+                  <a:cs typeface="Arial" charset="0"/>
+                </a:endParaRPr>
+              </a:p>
+              <a:p>
+                <a:pPr fontAlgn="base"/>
+                <a:r>
+                  <a:rPr lang="en-AU" sz="1200" b="0" i="0" kern="1200" dirty="0">
+                    <a:solidFill>
+                      <a:schemeClr val="tx1"/>
+                    </a:solidFill>
+                    <a:effectLst/>
+                    <a:latin typeface="Arial" charset="0"/>
+                    <a:ea typeface="ＭＳ Ｐゴシック" charset="0"/>
+                    <a:cs typeface="Arial" charset="0"/>
+                  </a:rPr>
+                  <a:t>Lift &gt; 1 implies a positive association — items occur together more than expected.</a:t>
+                </a:r>
+              </a:p>
+              <a:p>
+                <a:pPr fontAlgn="base"/>
+                <a:r>
+                  <a:rPr lang="en-AU" sz="1200" b="0" i="0" kern="1200" dirty="0">
+                    <a:solidFill>
+                      <a:schemeClr val="tx1"/>
+                    </a:solidFill>
+                    <a:effectLst/>
+                    <a:latin typeface="Arial" charset="0"/>
+                    <a:ea typeface="ＭＳ Ｐゴシック" charset="0"/>
+                    <a:cs typeface="Arial" charset="0"/>
+                  </a:rPr>
+                  <a:t>Lift = 1 implies independence.</a:t>
+                </a:r>
+              </a:p>
+              <a:p>
+                <a:pPr fontAlgn="base"/>
+                <a:r>
+                  <a:rPr lang="en-AU" sz="1200" b="0" i="0" kern="1200" dirty="0">
+                    <a:solidFill>
+                      <a:schemeClr val="tx1"/>
+                    </a:solidFill>
+                    <a:effectLst/>
+                    <a:latin typeface="Arial" charset="0"/>
+                    <a:ea typeface="ＭＳ Ｐゴシック" charset="0"/>
+                    <a:cs typeface="Arial" charset="0"/>
+                  </a:rPr>
+                  <a:t>Lift &lt; 1 implies a negative association.</a:t>
+                </a:r>
+              </a:p>
+              <a:p>
+                <a:endParaRPr lang="en-AU" dirty="0"/>
+              </a:p>
+            </p:txBody>
+          </p:sp>
+        </mc:Fallback>
+      </mc:AlternateContent>
+      <p:sp>
+        <p:nvSpPr>
+          <p:cNvPr id="4" name="Slide Number Placeholder 3"/>
+          <p:cNvSpPr>
+            <a:spLocks noGrp="1"/>
+          </p:cNvSpPr>
+          <p:nvPr>
+            <p:ph type="sldNum" sz="quarter" idx="5"/>
+          </p:nvPr>
+        </p:nvSpPr>
+        <p:spPr/>
+        <p:txBody>
+          <a:bodyPr/>
+          <a:lstStyle/>
+          <a:p>
+            <a:fld id="{6D6AA351-6953-1E48-8EC4-68F89E579C6C}" type="slidenum">
+              <a:rPr lang="en-US" smtClean="0"/>
+              <a:pPr/>
+              <a:t>12</a:t>
+            </a:fld>
+            <a:endParaRPr lang="en-US"/>
+          </a:p>
+        </p:txBody>
+      </p:sp>
+    </p:spTree>
+    <p:extLst>
+      <p:ext uri="{BB962C8B-B14F-4D97-AF65-F5344CB8AC3E}">
+        <p14:creationId xmlns:p14="http://schemas.microsoft.com/office/powerpoint/2010/main" val="2923031779"/>
+      </p:ext>
+    </p:extLst>
+  </p:cSld>
+  <p:clrMapOvr>
+    <a:masterClrMapping/>
+  </p:clrMapOvr>
+</p:notes>
+</file>
+
+<file path=ppt/notesSlides/notesSlide9.xml><?xml version="1.0" encoding="utf-8"?>
+<p:notes xmlns:a="http://schemas.openxmlformats.org/drawingml/2006/main" xmlns:r="http://schemas.openxmlformats.org/officeDocument/2006/relationships" xmlns:p="http://schemas.openxmlformats.org/presentationml/2006/main">
+  <p:cSld>
+    <p:spTree>
+      <p:nvGrpSpPr>
+        <p:cNvPr id="1" name="">
+          <a:extLst>
+            <a:ext uri="{FF2B5EF4-FFF2-40B4-BE49-F238E27FC236}">
+              <a16:creationId xmlns:a16="http://schemas.microsoft.com/office/drawing/2014/main" id="{2A3522A7-AB37-81AA-4108-59C34CD70E2F}"/>
+            </a:ext>
+          </a:extLst>
+        </p:cNvPr>
+        <p:cNvGrpSpPr/>
+        <p:nvPr/>
+      </p:nvGrpSpPr>
+      <p:grpSpPr>
+        <a:xfrm>
+          <a:off x="0" y="0"/>
+          <a:ext cx="0" cy="0"/>
+          <a:chOff x="0" y="0"/>
+          <a:chExt cx="0" cy="0"/>
+        </a:xfrm>
+      </p:grpSpPr>
+      <p:sp>
+        <p:nvSpPr>
+          <p:cNvPr id="2" name="Slide Image Placeholder 1">
+            <a:extLst>
+              <a:ext uri="{FF2B5EF4-FFF2-40B4-BE49-F238E27FC236}">
+                <a16:creationId xmlns:a16="http://schemas.microsoft.com/office/drawing/2014/main" id="{65B18752-93E4-BF20-D155-565520288D5C}"/>
+              </a:ext>
+            </a:extLst>
+          </p:cNvPr>
+          <p:cNvSpPr>
+            <a:spLocks noGrp="1" noRot="1" noChangeAspect="1"/>
+          </p:cNvSpPr>
+          <p:nvPr>
+            <p:ph type="sldImg"/>
+          </p:nvPr>
+        </p:nvSpPr>
+        <p:spPr/>
+      </p:sp>
+      <p:sp>
+        <p:nvSpPr>
+          <p:cNvPr id="3" name="Notes Placeholder 2">
+            <a:extLst>
+              <a:ext uri="{FF2B5EF4-FFF2-40B4-BE49-F238E27FC236}">
+                <a16:creationId xmlns:a16="http://schemas.microsoft.com/office/drawing/2014/main" id="{34AA1D7A-53C6-1378-D403-1FA8DEDC562C}"/>
+              </a:ext>
+            </a:extLst>
+          </p:cNvPr>
           <p:cNvSpPr>
             <a:spLocks noGrp="1"/>
           </p:cNvSpPr>
@@ -20648,36 +22146,19 @@
           <a:bodyPr/>
           <a:lstStyle/>
           <a:p>
-            <a:r>
-              <a:rPr lang="en-AU" dirty="0" err="1"/>
-              <a:t>resource:https</a:t>
-            </a:r>
-            <a:r>
-              <a:rPr lang="en-AU" dirty="0"/>
-              <a:t>://</a:t>
-            </a:r>
-            <a:r>
-              <a:rPr lang="en-AU" dirty="0" err="1"/>
-              <a:t>www.youtube.com</a:t>
-            </a:r>
-            <a:r>
-              <a:rPr lang="en-AU" dirty="0"/>
-              <a:t>/</a:t>
-            </a:r>
-            <a:r>
-              <a:rPr lang="en-AU" dirty="0" err="1"/>
-              <a:t>watch?v</a:t>
-            </a:r>
-            <a:r>
-              <a:rPr lang="en-AU" dirty="0"/>
-              <a:t>=XW191kj4wW4</a:t>
-            </a:r>
+            <a:endParaRPr lang="en-AU" dirty="0"/>
           </a:p>
         </p:txBody>
       </p:sp>
       <p:sp>
         <p:nvSpPr>
-          <p:cNvPr id="4" name="Slide Number Placeholder 3"/>
+          <p:cNvPr id="4" name="Slide Number Placeholder 3">
+            <a:extLst>
+              <a:ext uri="{FF2B5EF4-FFF2-40B4-BE49-F238E27FC236}">
+                <a16:creationId xmlns:a16="http://schemas.microsoft.com/office/drawing/2014/main" id="{C78616A5-BFC0-3317-5D77-B3C072433795}"/>
+              </a:ext>
+            </a:extLst>
+          </p:cNvPr>
           <p:cNvSpPr>
             <a:spLocks noGrp="1"/>
           </p:cNvSpPr>
@@ -20702,7 +22183,7 @@
     </p:spTree>
     <p:extLst>
       <p:ext uri="{BB962C8B-B14F-4D97-AF65-F5344CB8AC3E}">
-        <p14:creationId xmlns:p14="http://schemas.microsoft.com/office/powerpoint/2010/main" val="1845435006"/>
+        <p14:creationId xmlns:p14="http://schemas.microsoft.com/office/powerpoint/2010/main" val="769122241"/>
       </p:ext>
     </p:extLst>
   </p:cSld>
@@ -25312,7 +26793,7 @@
           <p:nvPr/>
         </p:nvPicPr>
         <p:blipFill>
-          <a:blip r:embed="rId3">
+          <a:blip r:embed="rId3" cstate="email">
             <a:extLst>
               <a:ext uri="{28A0092B-C50C-407E-A947-70E740481C1C}">
                 <a14:useLocalDpi xmlns:a14="http://schemas.microsoft.com/office/drawing/2010/main" val="0"/>
@@ -26516,7 +27997,7 @@
           <a:p>
             <a:r>
               <a:rPr lang="en-AU" sz="2400" dirty="0"/>
-              <a:t>Association Rules</a:t>
+              <a:t>Rule Evaluation Metrics- Association Rules</a:t>
             </a:r>
             <a:endParaRPr lang="en-US" sz="2400" dirty="0"/>
           </a:p>
@@ -26599,7 +28080,7 @@
           <p:nvPr/>
         </p:nvPicPr>
         <p:blipFill>
-          <a:blip r:embed="rId2">
+          <a:blip r:embed="rId3" cstate="email">
             <a:extLst>
               <a:ext uri="{28A0092B-C50C-407E-A947-70E740481C1C}">
                 <a14:useLocalDpi xmlns:a14="http://schemas.microsoft.com/office/drawing/2010/main" val="0"/>
@@ -26635,7 +28116,7 @@
           <p:nvPr/>
         </p:nvPicPr>
         <p:blipFill>
-          <a:blip r:embed="rId3">
+          <a:blip r:embed="rId4" cstate="email">
             <a:extLst>
               <a:ext uri="{28A0092B-C50C-407E-A947-70E740481C1C}">
                 <a14:useLocalDpi xmlns:a14="http://schemas.microsoft.com/office/drawing/2010/main" val="0"/>
@@ -26792,7 +28273,7 @@
           <p:nvPr/>
         </p:nvPicPr>
         <p:blipFill>
-          <a:blip r:embed="rId2">
+          <a:blip r:embed="rId3" cstate="email">
             <a:extLst>
               <a:ext uri="{28A0092B-C50C-407E-A947-70E740481C1C}">
                 <a14:useLocalDpi xmlns:a14="http://schemas.microsoft.com/office/drawing/2010/main" val="0"/>
@@ -28302,7 +29783,7 @@
         </p:nvSpPr>
         <p:spPr>
           <a:xfrm>
-            <a:off x="1327150" y="1641802"/>
+            <a:off x="914400" y="1641802"/>
             <a:ext cx="9537700" cy="4629942"/>
           </a:xfrm>
           <a:prstGeom prst="rect">
@@ -28567,6 +30048,25 @@
             </a:endParaRPr>
           </a:p>
           <a:p>
+            <a:pPr marL="0" indent="0">
+              <a:buNone/>
+            </a:pPr>
+            <a:r>
+              <a:rPr lang="en-AU" sz="2800" dirty="0">
+                <a:solidFill>
+                  <a:srgbClr val="0432FF"/>
+                </a:solidFill>
+              </a:rPr>
+              <a:t>Frequent Itemset Generation</a:t>
+            </a:r>
+            <a:endParaRPr lang="en-US" altLang="en-US" sz="2800" b="1" kern="0" dirty="0">
+              <a:solidFill>
+                <a:srgbClr val="0432FF"/>
+              </a:solidFill>
+              <a:cs typeface="Arial" panose="020B0604020202020204" pitchFamily="34" charset="0"/>
+            </a:endParaRPr>
+          </a:p>
+          <a:p>
             <a:r>
               <a:rPr lang="en-US" altLang="en-US" sz="1800" b="1" kern="0" dirty="0">
                 <a:cs typeface="Arial" panose="020B0604020202020204" pitchFamily="34" charset="0"/>
@@ -28875,6 +30375,36 @@
           </a:p>
         </p:txBody>
       </p:sp>
+      <p:pic>
+        <p:nvPicPr>
+          <p:cNvPr id="8" name="Picture 7">
+            <a:extLst>
+              <a:ext uri="{FF2B5EF4-FFF2-40B4-BE49-F238E27FC236}">
+                <a16:creationId xmlns:a16="http://schemas.microsoft.com/office/drawing/2014/main" id="{4E1861A5-312B-0035-ACED-CB1C27CA7A3C}"/>
+              </a:ext>
+            </a:extLst>
+          </p:cNvPr>
+          <p:cNvPicPr>
+            <a:picLocks noChangeAspect="1"/>
+          </p:cNvPicPr>
+          <p:nvPr/>
+        </p:nvPicPr>
+        <p:blipFill>
+          <a:blip r:embed="rId2"/>
+          <a:stretch>
+            <a:fillRect/>
+          </a:stretch>
+        </p:blipFill>
+        <p:spPr>
+          <a:xfrm>
+            <a:off x="5683250" y="2236993"/>
+            <a:ext cx="6264242" cy="2273536"/>
+          </a:xfrm>
+          <a:prstGeom prst="rect">
+            <a:avLst/>
+          </a:prstGeom>
+        </p:spPr>
+      </p:pic>
     </p:spTree>
     <p:extLst>
       <p:ext uri="{BB962C8B-B14F-4D97-AF65-F5344CB8AC3E}">
@@ -28998,33 +30528,15 @@
                                   </p:childTnLst>
                                 </p:cTn>
                               </p:par>
-                            </p:childTnLst>
-                          </p:cTn>
-                        </p:par>
-                      </p:childTnLst>
-                    </p:cTn>
-                  </p:par>
-                  <p:par>
-                    <p:cTn id="11" fill="hold">
-                      <p:stCondLst>
-                        <p:cond delay="indefinite"/>
-                      </p:stCondLst>
-                      <p:childTnLst>
-                        <p:par>
-                          <p:cTn id="12" fill="hold">
-                            <p:stCondLst>
-                              <p:cond delay="0"/>
-                            </p:stCondLst>
-                            <p:childTnLst>
                               <p:par>
-                                <p:cTn id="13" presetID="1" presetClass="entr" presetSubtype="0" fill="hold" nodeType="clickEffect">
+                                <p:cTn id="11" presetID="1" presetClass="entr" presetSubtype="0" fill="hold" nodeType="withEffect">
                                   <p:stCondLst>
                                     <p:cond delay="0"/>
                                   </p:stCondLst>
                                   <p:childTnLst>
                                     <p:set>
                                       <p:cBhvr>
-                                        <p:cTn id="14" dur="1" fill="hold">
+                                        <p:cTn id="12" dur="1" fill="hold">
                                           <p:stCondLst>
                                             <p:cond delay="0"/>
                                           </p:stCondLst>
@@ -29047,8 +30559,26 @@
                                   </p:childTnLst>
                                 </p:cTn>
                               </p:par>
+                            </p:childTnLst>
+                          </p:cTn>
+                        </p:par>
+                      </p:childTnLst>
+                    </p:cTn>
+                  </p:par>
+                  <p:par>
+                    <p:cTn id="13" fill="hold">
+                      <p:stCondLst>
+                        <p:cond delay="indefinite"/>
+                      </p:stCondLst>
+                      <p:childTnLst>
+                        <p:par>
+                          <p:cTn id="14" fill="hold">
+                            <p:stCondLst>
+                              <p:cond delay="0"/>
+                            </p:stCondLst>
+                            <p:childTnLst>
                               <p:par>
-                                <p:cTn id="15" presetID="1" presetClass="entr" presetSubtype="0" fill="hold" nodeType="withEffect">
+                                <p:cTn id="15" presetID="1" presetClass="entr" presetSubtype="0" fill="hold" nodeType="clickEffect">
                                   <p:stCondLst>
                                     <p:cond delay="0"/>
                                   </p:stCondLst>
@@ -29159,6 +30689,82 @@
                                               <p:pRg st="8" end="8"/>
                                             </p:txEl>
                                           </p:spTgt>
+                                        </p:tgtEl>
+                                        <p:attrNameLst>
+                                          <p:attrName>style.visibility</p:attrName>
+                                        </p:attrNameLst>
+                                      </p:cBhvr>
+                                      <p:to>
+                                        <p:strVal val="visible"/>
+                                      </p:to>
+                                    </p:set>
+                                  </p:childTnLst>
+                                </p:cTn>
+                              </p:par>
+                              <p:par>
+                                <p:cTn id="23" presetID="1" presetClass="entr" presetSubtype="0" fill="hold" nodeType="withEffect">
+                                  <p:stCondLst>
+                                    <p:cond delay="0"/>
+                                  </p:stCondLst>
+                                  <p:childTnLst>
+                                    <p:set>
+                                      <p:cBhvr>
+                                        <p:cTn id="24" dur="1" fill="hold">
+                                          <p:stCondLst>
+                                            <p:cond delay="0"/>
+                                          </p:stCondLst>
+                                        </p:cTn>
+                                        <p:tgtEl>
+                                          <p:spTgt spid="5">
+                                            <p:txEl>
+                                              <p:pRg st="9" end="9"/>
+                                            </p:txEl>
+                                          </p:spTgt>
+                                        </p:tgtEl>
+                                        <p:attrNameLst>
+                                          <p:attrName>style.visibility</p:attrName>
+                                        </p:attrNameLst>
+                                      </p:cBhvr>
+                                      <p:to>
+                                        <p:strVal val="visible"/>
+                                      </p:to>
+                                    </p:set>
+                                  </p:childTnLst>
+                                </p:cTn>
+                              </p:par>
+                            </p:childTnLst>
+                          </p:cTn>
+                        </p:par>
+                      </p:childTnLst>
+                    </p:cTn>
+                  </p:par>
+                  <p:par>
+                    <p:cTn id="25" fill="hold">
+                      <p:stCondLst>
+                        <p:cond delay="indefinite"/>
+                      </p:stCondLst>
+                      <p:childTnLst>
+                        <p:par>
+                          <p:cTn id="26" fill="hold">
+                            <p:stCondLst>
+                              <p:cond delay="0"/>
+                            </p:stCondLst>
+                            <p:childTnLst>
+                              <p:par>
+                                <p:cTn id="27" presetID="1" presetClass="entr" presetSubtype="0" fill="hold" nodeType="clickEffect">
+                                  <p:stCondLst>
+                                    <p:cond delay="0"/>
+                                  </p:stCondLst>
+                                  <p:childTnLst>
+                                    <p:set>
+                                      <p:cBhvr>
+                                        <p:cTn id="28" dur="1" fill="hold">
+                                          <p:stCondLst>
+                                            <p:cond delay="0"/>
+                                          </p:stCondLst>
+                                        </p:cTn>
+                                        <p:tgtEl>
+                                          <p:spTgt spid="8"/>
                                         </p:tgtEl>
                                         <p:attrNameLst>
                                           <p:attrName>style.visibility</p:attrName>
@@ -29733,7 +31339,7 @@
         <p:spPr bwMode="auto">
           <a:xfrm>
             <a:off x="416639" y="3505594"/>
-            <a:ext cx="7158567" cy="3077766"/>
+            <a:ext cx="7158567" cy="2769989"/>
           </a:xfrm>
           <a:prstGeom prst="rect">
             <a:avLst/>
@@ -29840,14 +31446,15 @@
               </a:rPr>
               <a:t> Rules originating from the same itemset have identical support but</a:t>
             </a:r>
-            <a:br>
-              <a:rPr lang="en-US" altLang="en-US" sz="2000" b="0" dirty="0">
+            <a:r>
+              <a:rPr lang="en-US" altLang="en-US" sz="2000" dirty="0">
                 <a:solidFill>
                   <a:schemeClr val="tx1"/>
                 </a:solidFill>
                 <a:sym typeface="Symbol" pitchFamily="2" charset="2"/>
               </a:rPr>
-            </a:br>
+              <a:t> </a:t>
+            </a:r>
             <a:r>
               <a:rPr lang="en-US" altLang="en-US" sz="2000" b="0" dirty="0">
                 <a:solidFill>
@@ -29855,7 +31462,7 @@
                 </a:solidFill>
                 <a:sym typeface="Symbol" pitchFamily="2" charset="2"/>
               </a:rPr>
-              <a:t>  can have different confidence</a:t>
+              <a:t>can have different confidence</a:t>
             </a:r>
           </a:p>
           <a:p>
@@ -30851,7 +32458,13 @@
   <p:cSld>
     <p:spTree>
       <p:nvGrpSpPr>
-        <p:cNvPr id="1" name=""/>
+        <p:cNvPr id="1" name="">
+          <a:extLst>
+            <a:ext uri="{FF2B5EF4-FFF2-40B4-BE49-F238E27FC236}">
+              <a16:creationId xmlns:a16="http://schemas.microsoft.com/office/drawing/2014/main" id="{8304D412-3466-567F-AADA-CD4307B5EF50}"/>
+            </a:ext>
+          </a:extLst>
+        </p:cNvPr>
         <p:cNvGrpSpPr/>
         <p:nvPr/>
       </p:nvGrpSpPr>
@@ -30868,7 +32481,7 @@
           <p:cNvPr id="2" name="Title 1">
             <a:extLst>
               <a:ext uri="{FF2B5EF4-FFF2-40B4-BE49-F238E27FC236}">
-                <a16:creationId xmlns:a16="http://schemas.microsoft.com/office/drawing/2014/main" id="{77241A0A-9BE0-6F82-ECC5-CCB82F58A608}"/>
+                <a16:creationId xmlns:a16="http://schemas.microsoft.com/office/drawing/2014/main" id="{BF104D0D-13A2-538A-8E92-293351A48333}"/>
               </a:ext>
             </a:extLst>
           </p:cNvPr>
@@ -30885,10 +32498,17 @@
           <a:lstStyle/>
           <a:p>
             <a:r>
-              <a:rPr lang="en-AU" sz="2400" dirty="0"/>
-              <a:t>Association Rules</a:t>
+              <a:rPr lang="en-US" altLang="en-US" sz="2400" dirty="0"/>
+              <a:t>The </a:t>
             </a:r>
-            <a:endParaRPr lang="en-US" sz="2400" dirty="0"/>
+            <a:r>
+              <a:rPr lang="en-US" altLang="en-US" sz="2400" dirty="0" err="1"/>
+              <a:t>Apriori</a:t>
+            </a:r>
+            <a:r>
+              <a:rPr lang="en-US" altLang="en-US" sz="2400" dirty="0"/>
+              <a:t> Algorithm—An Example</a:t>
+            </a:r>
           </a:p>
         </p:txBody>
       </p:sp>
@@ -30897,7 +32517,7 @@
           <p:cNvPr id="3" name="Footer Placeholder 2">
             <a:extLst>
               <a:ext uri="{FF2B5EF4-FFF2-40B4-BE49-F238E27FC236}">
-                <a16:creationId xmlns:a16="http://schemas.microsoft.com/office/drawing/2014/main" id="{CF8A62F1-9711-5818-FF0F-F822473E2A68}"/>
+                <a16:creationId xmlns:a16="http://schemas.microsoft.com/office/drawing/2014/main" id="{D89F5B94-EB45-52CB-173E-DFD7040477D4}"/>
               </a:ext>
             </a:extLst>
           </p:cNvPr>
@@ -30929,7 +32549,7 @@
           <p:cNvPr id="4" name="Slide Number Placeholder 3">
             <a:extLst>
               <a:ext uri="{FF2B5EF4-FFF2-40B4-BE49-F238E27FC236}">
-                <a16:creationId xmlns:a16="http://schemas.microsoft.com/office/drawing/2014/main" id="{6F9A6C69-DCBF-6E87-BF4C-23A2BE58377F}"/>
+                <a16:creationId xmlns:a16="http://schemas.microsoft.com/office/drawing/2014/main" id="{3879C402-D5EF-5878-5859-61D13E9E7716}"/>
               </a:ext>
             </a:extLst>
           </p:cNvPr>
@@ -30954,322 +32574,40 @@
           </a:p>
         </p:txBody>
       </p:sp>
-      <p:sp>
-        <p:nvSpPr>
-          <p:cNvPr id="5" name="Rectangle 2">
+      <p:pic>
+        <p:nvPicPr>
+          <p:cNvPr id="7" name="Picture 6">
             <a:extLst>
               <a:ext uri="{FF2B5EF4-FFF2-40B4-BE49-F238E27FC236}">
-                <a16:creationId xmlns:a16="http://schemas.microsoft.com/office/drawing/2014/main" id="{6ADBF8DB-F168-5847-CC91-A0A9A3826FAD}"/>
+                <a16:creationId xmlns:a16="http://schemas.microsoft.com/office/drawing/2014/main" id="{CECFEBB5-07E7-B1CF-3D3D-064E9D745598}"/>
               </a:ext>
             </a:extLst>
           </p:cNvPr>
-          <p:cNvSpPr txBox="1">
-            <a:spLocks noChangeArrowheads="1"/>
-          </p:cNvSpPr>
+          <p:cNvPicPr>
+            <a:picLocks noChangeAspect="1"/>
+          </p:cNvPicPr>
           <p:nvPr/>
-        </p:nvSpPr>
-        <p:spPr bwMode="auto">
+        </p:nvPicPr>
+        <p:blipFill>
+          <a:blip r:embed="rId3"/>
+          <a:stretch>
+            <a:fillRect/>
+          </a:stretch>
+        </p:blipFill>
+        <p:spPr>
           <a:xfrm>
-            <a:off x="437376" y="907640"/>
-            <a:ext cx="8280400" cy="243168"/>
+            <a:off x="1897016" y="931866"/>
+            <a:ext cx="8397968" cy="5387807"/>
           </a:xfrm>
           <a:prstGeom prst="rect">
             <a:avLst/>
           </a:prstGeom>
-          <a:noFill/>
-          <a:ln>
-            <a:noFill/>
-          </a:ln>
-          <a:extLst>
-            <a:ext uri="{909E8E84-426E-40DD-AFC4-6F175D3DCCD1}">
-              <a14:hiddenFill xmlns:a14="http://schemas.microsoft.com/office/drawing/2010/main">
-                <a:solidFill>
-                  <a:srgbClr val="FFFFFF"/>
-                </a:solidFill>
-              </a14:hiddenFill>
-            </a:ext>
-            <a:ext uri="{91240B29-F687-4F45-9708-019B960494DF}">
-              <a14:hiddenLine xmlns:a14="http://schemas.microsoft.com/office/drawing/2010/main" w="9525">
-                <a:solidFill>
-                  <a:srgbClr val="000000"/>
-                </a:solidFill>
-                <a:miter lim="800000"/>
-                <a:headEnd/>
-                <a:tailEnd/>
-              </a14:hiddenLine>
-            </a:ext>
-            <a:ext uri="{FAA26D3D-D897-4be2-8F04-BA451C77F1D7}">
-              <ma14:placeholderFlag xmlns:ma14="http://schemas.microsoft.com/office/mac/drawingml/2011/main" xmlns="" val="1"/>
-            </a:ext>
-          </a:extLst>
         </p:spPr>
-        <p:txBody>
-          <a:bodyPr vert="horz" wrap="square" lIns="91440" tIns="45720" rIns="91440" bIns="45720" numCol="1" anchor="t" anchorCtr="0" compatLnSpc="1">
-            <a:prstTxWarp prst="textNoShape">
-              <a:avLst/>
-            </a:prstTxWarp>
-            <a:scene3d>
-              <a:camera prst="orthographicFront"/>
-              <a:lightRig rig="harsh" dir="t"/>
-            </a:scene3d>
-            <a:sp3d extrusionH="57150" prstMaterial="matte">
-              <a:bevelT w="63500" h="12700" prst="angle"/>
-              <a:contourClr>
-                <a:schemeClr val="bg1">
-                  <a:lumMod val="65000"/>
-                </a:schemeClr>
-              </a:contourClr>
-            </a:sp3d>
-          </a:bodyPr>
-          <a:lstStyle>
-            <a:lvl1pPr algn="l" rtl="0" eaLnBrk="0" fontAlgn="base" hangingPunct="0">
-              <a:spcBef>
-                <a:spcPct val="0"/>
-              </a:spcBef>
-              <a:spcAft>
-                <a:spcPct val="0"/>
-              </a:spcAft>
-              <a:defRPr sz="2500" b="1" cap="none" spc="0">
-                <a:ln/>
-                <a:solidFill>
-                  <a:srgbClr val="FF0000"/>
-                </a:solidFill>
-                <a:effectLst/>
-                <a:latin typeface="+mj-lt"/>
-                <a:ea typeface="ＭＳ Ｐゴシック" charset="0"/>
-                <a:cs typeface="+mj-cs"/>
-              </a:defRPr>
-            </a:lvl1pPr>
-            <a:lvl2pPr algn="l" rtl="0" eaLnBrk="0" fontAlgn="base" hangingPunct="0">
-              <a:spcBef>
-                <a:spcPct val="0"/>
-              </a:spcBef>
-              <a:spcAft>
-                <a:spcPct val="0"/>
-              </a:spcAft>
-              <a:defRPr sz="2500">
-                <a:solidFill>
-                  <a:srgbClr val="EE3224"/>
-                </a:solidFill>
-                <a:latin typeface="Arial" charset="0"/>
-                <a:ea typeface="ＭＳ Ｐゴシック" charset="0"/>
-                <a:cs typeface="Arial" charset="0"/>
-              </a:defRPr>
-            </a:lvl2pPr>
-            <a:lvl3pPr algn="l" rtl="0" eaLnBrk="0" fontAlgn="base" hangingPunct="0">
-              <a:spcBef>
-                <a:spcPct val="0"/>
-              </a:spcBef>
-              <a:spcAft>
-                <a:spcPct val="0"/>
-              </a:spcAft>
-              <a:defRPr sz="2500">
-                <a:solidFill>
-                  <a:srgbClr val="EE3224"/>
-                </a:solidFill>
-                <a:latin typeface="Arial" charset="0"/>
-                <a:ea typeface="ＭＳ Ｐゴシック" charset="0"/>
-                <a:cs typeface="Arial" charset="0"/>
-              </a:defRPr>
-            </a:lvl3pPr>
-            <a:lvl4pPr algn="l" rtl="0" eaLnBrk="0" fontAlgn="base" hangingPunct="0">
-              <a:spcBef>
-                <a:spcPct val="0"/>
-              </a:spcBef>
-              <a:spcAft>
-                <a:spcPct val="0"/>
-              </a:spcAft>
-              <a:defRPr sz="2500">
-                <a:solidFill>
-                  <a:srgbClr val="EE3224"/>
-                </a:solidFill>
-                <a:latin typeface="Arial" charset="0"/>
-                <a:ea typeface="ＭＳ Ｐゴシック" charset="0"/>
-                <a:cs typeface="Arial" charset="0"/>
-              </a:defRPr>
-            </a:lvl4pPr>
-            <a:lvl5pPr algn="l" rtl="0" eaLnBrk="0" fontAlgn="base" hangingPunct="0">
-              <a:spcBef>
-                <a:spcPct val="0"/>
-              </a:spcBef>
-              <a:spcAft>
-                <a:spcPct val="0"/>
-              </a:spcAft>
-              <a:defRPr sz="2500">
-                <a:solidFill>
-                  <a:srgbClr val="EE3224"/>
-                </a:solidFill>
-                <a:latin typeface="Arial" charset="0"/>
-                <a:ea typeface="ＭＳ Ｐゴシック" charset="0"/>
-                <a:cs typeface="Arial" charset="0"/>
-              </a:defRPr>
-            </a:lvl5pPr>
-            <a:lvl6pPr marL="457200" algn="l" rtl="0" fontAlgn="base">
-              <a:spcBef>
-                <a:spcPct val="0"/>
-              </a:spcBef>
-              <a:spcAft>
-                <a:spcPct val="0"/>
-              </a:spcAft>
-              <a:defRPr sz="2500">
-                <a:solidFill>
-                  <a:srgbClr val="EE3224"/>
-                </a:solidFill>
-                <a:latin typeface="Arial" charset="0"/>
-                <a:cs typeface="Arial" charset="0"/>
-              </a:defRPr>
-            </a:lvl6pPr>
-            <a:lvl7pPr marL="914400" algn="l" rtl="0" fontAlgn="base">
-              <a:spcBef>
-                <a:spcPct val="0"/>
-              </a:spcBef>
-              <a:spcAft>
-                <a:spcPct val="0"/>
-              </a:spcAft>
-              <a:defRPr sz="2500">
-                <a:solidFill>
-                  <a:srgbClr val="EE3224"/>
-                </a:solidFill>
-                <a:latin typeface="Arial" charset="0"/>
-                <a:cs typeface="Arial" charset="0"/>
-              </a:defRPr>
-            </a:lvl7pPr>
-            <a:lvl8pPr marL="1371600" algn="l" rtl="0" fontAlgn="base">
-              <a:spcBef>
-                <a:spcPct val="0"/>
-              </a:spcBef>
-              <a:spcAft>
-                <a:spcPct val="0"/>
-              </a:spcAft>
-              <a:defRPr sz="2500">
-                <a:solidFill>
-                  <a:srgbClr val="EE3224"/>
-                </a:solidFill>
-                <a:latin typeface="Arial" charset="0"/>
-                <a:cs typeface="Arial" charset="0"/>
-              </a:defRPr>
-            </a:lvl8pPr>
-            <a:lvl9pPr marL="1828800" algn="l" rtl="0" fontAlgn="base">
-              <a:spcBef>
-                <a:spcPct val="0"/>
-              </a:spcBef>
-              <a:spcAft>
-                <a:spcPct val="0"/>
-              </a:spcAft>
-              <a:defRPr sz="2500">
-                <a:solidFill>
-                  <a:srgbClr val="EE3224"/>
-                </a:solidFill>
-                <a:latin typeface="Arial" charset="0"/>
-                <a:cs typeface="Arial" charset="0"/>
-              </a:defRPr>
-            </a:lvl9pPr>
-          </a:lstStyle>
-          <a:p>
-            <a:r>
-              <a:rPr lang="en-US" altLang="en-US" kern="0" dirty="0"/>
-              <a:t>FP-growth Algorithm</a:t>
-            </a:r>
-          </a:p>
-        </p:txBody>
-      </p:sp>
-      <p:sp>
-        <p:nvSpPr>
-          <p:cNvPr id="16" name="TextBox 15">
-            <a:extLst>
-              <a:ext uri="{FF2B5EF4-FFF2-40B4-BE49-F238E27FC236}">
-                <a16:creationId xmlns:a16="http://schemas.microsoft.com/office/drawing/2014/main" id="{F1B8EFA1-5562-E1A6-505D-17B2F3B7A5D5}"/>
-              </a:ext>
-            </a:extLst>
-          </p:cNvPr>
-          <p:cNvSpPr txBox="1"/>
-          <p:nvPr/>
-        </p:nvSpPr>
-        <p:spPr>
-          <a:xfrm>
-            <a:off x="4347049" y="3048000"/>
-            <a:ext cx="4819663" cy="600164"/>
-          </a:xfrm>
-          <a:prstGeom prst="rect">
-            <a:avLst/>
-          </a:prstGeom>
-          <a:noFill/>
-        </p:spPr>
-        <p:txBody>
-          <a:bodyPr wrap="square" rtlCol="0">
-            <a:spAutoFit/>
-          </a:bodyPr>
-          <a:lstStyle/>
-          <a:p>
-            <a:r>
-              <a:rPr lang="en-AU" sz="1100" b="1" dirty="0">
-                <a:solidFill>
-                  <a:srgbClr val="000000"/>
-                </a:solidFill>
-              </a:rPr>
-              <a:t>A video for more detailed information about association rules</a:t>
-            </a:r>
-            <a:endParaRPr lang="en-AU" sz="1100" b="1" dirty="0">
-              <a:solidFill>
-                <a:schemeClr val="tx1"/>
-              </a:solidFill>
-            </a:endParaRPr>
-          </a:p>
-          <a:p>
-            <a:endParaRPr lang="en-AU" sz="1100" dirty="0">
-              <a:solidFill>
-                <a:schemeClr val="tx1"/>
-              </a:solidFill>
-            </a:endParaRPr>
-          </a:p>
-          <a:p>
-            <a:r>
-              <a:rPr lang="en-AU" sz="1100" dirty="0">
-                <a:solidFill>
-                  <a:schemeClr val="tx1"/>
-                </a:solidFill>
-              </a:rPr>
-              <a:t>https://</a:t>
-            </a:r>
-            <a:r>
-              <a:rPr lang="en-AU" sz="1100" dirty="0" err="1">
-                <a:solidFill>
-                  <a:schemeClr val="tx1"/>
-                </a:solidFill>
-              </a:rPr>
-              <a:t>www.youtube.com</a:t>
-            </a:r>
-            <a:r>
-              <a:rPr lang="en-AU" sz="1100" dirty="0">
-                <a:solidFill>
-                  <a:schemeClr val="tx1"/>
-                </a:solidFill>
-              </a:rPr>
-              <a:t>/</a:t>
-            </a:r>
-            <a:r>
-              <a:rPr lang="en-AU" sz="1100" dirty="0" err="1">
-                <a:solidFill>
-                  <a:schemeClr val="tx1"/>
-                </a:solidFill>
-              </a:rPr>
-              <a:t>watch?v</a:t>
-            </a:r>
-            <a:r>
-              <a:rPr lang="en-AU" sz="1100" dirty="0">
-                <a:solidFill>
-                  <a:schemeClr val="tx1"/>
-                </a:solidFill>
-              </a:rPr>
-              <a:t>=3LEUCV83OWM</a:t>
-            </a:r>
-          </a:p>
-        </p:txBody>
-      </p:sp>
+      </p:pic>
     </p:spTree>
     <p:extLst>
       <p:ext uri="{BB962C8B-B14F-4D97-AF65-F5344CB8AC3E}">
-        <p14:creationId xmlns:p14="http://schemas.microsoft.com/office/powerpoint/2010/main" val="3230847389"/>
+        <p14:creationId xmlns:p14="http://schemas.microsoft.com/office/powerpoint/2010/main" val="1776422630"/>
       </p:ext>
     </p:extLst>
   </p:cSld>
@@ -31403,6 +32741,420 @@
         </p:nvSpPr>
         <p:spPr bwMode="auto">
           <a:xfrm>
+            <a:off x="437376" y="907640"/>
+            <a:ext cx="8280400" cy="243168"/>
+          </a:xfrm>
+          <a:prstGeom prst="rect">
+            <a:avLst/>
+          </a:prstGeom>
+          <a:noFill/>
+          <a:ln>
+            <a:noFill/>
+          </a:ln>
+          <a:extLst>
+            <a:ext uri="{909E8E84-426E-40DD-AFC4-6F175D3DCCD1}">
+              <a14:hiddenFill xmlns:a14="http://schemas.microsoft.com/office/drawing/2010/main">
+                <a:solidFill>
+                  <a:srgbClr val="FFFFFF"/>
+                </a:solidFill>
+              </a14:hiddenFill>
+            </a:ext>
+            <a:ext uri="{91240B29-F687-4F45-9708-019B960494DF}">
+              <a14:hiddenLine xmlns:a14="http://schemas.microsoft.com/office/drawing/2010/main" w="9525">
+                <a:solidFill>
+                  <a:srgbClr val="000000"/>
+                </a:solidFill>
+                <a:miter lim="800000"/>
+                <a:headEnd/>
+                <a:tailEnd/>
+              </a14:hiddenLine>
+            </a:ext>
+            <a:ext uri="{FAA26D3D-D897-4be2-8F04-BA451C77F1D7}">
+              <ma14:placeholderFlag xmlns:ma14="http://schemas.microsoft.com/office/mac/drawingml/2011/main" xmlns="" val="1"/>
+            </a:ext>
+          </a:extLst>
+        </p:spPr>
+        <p:txBody>
+          <a:bodyPr vert="horz" wrap="square" lIns="91440" tIns="45720" rIns="91440" bIns="45720" numCol="1" anchor="t" anchorCtr="0" compatLnSpc="1">
+            <a:prstTxWarp prst="textNoShape">
+              <a:avLst/>
+            </a:prstTxWarp>
+            <a:scene3d>
+              <a:camera prst="orthographicFront"/>
+              <a:lightRig rig="harsh" dir="t"/>
+            </a:scene3d>
+            <a:sp3d extrusionH="57150" prstMaterial="matte">
+              <a:bevelT w="63500" h="12700" prst="angle"/>
+              <a:contourClr>
+                <a:schemeClr val="bg1">
+                  <a:lumMod val="65000"/>
+                </a:schemeClr>
+              </a:contourClr>
+            </a:sp3d>
+          </a:bodyPr>
+          <a:lstStyle>
+            <a:lvl1pPr algn="l" rtl="0" eaLnBrk="0" fontAlgn="base" hangingPunct="0">
+              <a:spcBef>
+                <a:spcPct val="0"/>
+              </a:spcBef>
+              <a:spcAft>
+                <a:spcPct val="0"/>
+              </a:spcAft>
+              <a:defRPr sz="2500" b="1" cap="none" spc="0">
+                <a:ln/>
+                <a:solidFill>
+                  <a:srgbClr val="FF0000"/>
+                </a:solidFill>
+                <a:effectLst/>
+                <a:latin typeface="+mj-lt"/>
+                <a:ea typeface="ＭＳ Ｐゴシック" charset="0"/>
+                <a:cs typeface="+mj-cs"/>
+              </a:defRPr>
+            </a:lvl1pPr>
+            <a:lvl2pPr algn="l" rtl="0" eaLnBrk="0" fontAlgn="base" hangingPunct="0">
+              <a:spcBef>
+                <a:spcPct val="0"/>
+              </a:spcBef>
+              <a:spcAft>
+                <a:spcPct val="0"/>
+              </a:spcAft>
+              <a:defRPr sz="2500">
+                <a:solidFill>
+                  <a:srgbClr val="EE3224"/>
+                </a:solidFill>
+                <a:latin typeface="Arial" charset="0"/>
+                <a:ea typeface="ＭＳ Ｐゴシック" charset="0"/>
+                <a:cs typeface="Arial" charset="0"/>
+              </a:defRPr>
+            </a:lvl2pPr>
+            <a:lvl3pPr algn="l" rtl="0" eaLnBrk="0" fontAlgn="base" hangingPunct="0">
+              <a:spcBef>
+                <a:spcPct val="0"/>
+              </a:spcBef>
+              <a:spcAft>
+                <a:spcPct val="0"/>
+              </a:spcAft>
+              <a:defRPr sz="2500">
+                <a:solidFill>
+                  <a:srgbClr val="EE3224"/>
+                </a:solidFill>
+                <a:latin typeface="Arial" charset="0"/>
+                <a:ea typeface="ＭＳ Ｐゴシック" charset="0"/>
+                <a:cs typeface="Arial" charset="0"/>
+              </a:defRPr>
+            </a:lvl3pPr>
+            <a:lvl4pPr algn="l" rtl="0" eaLnBrk="0" fontAlgn="base" hangingPunct="0">
+              <a:spcBef>
+                <a:spcPct val="0"/>
+              </a:spcBef>
+              <a:spcAft>
+                <a:spcPct val="0"/>
+              </a:spcAft>
+              <a:defRPr sz="2500">
+                <a:solidFill>
+                  <a:srgbClr val="EE3224"/>
+                </a:solidFill>
+                <a:latin typeface="Arial" charset="0"/>
+                <a:ea typeface="ＭＳ Ｐゴシック" charset="0"/>
+                <a:cs typeface="Arial" charset="0"/>
+              </a:defRPr>
+            </a:lvl4pPr>
+            <a:lvl5pPr algn="l" rtl="0" eaLnBrk="0" fontAlgn="base" hangingPunct="0">
+              <a:spcBef>
+                <a:spcPct val="0"/>
+              </a:spcBef>
+              <a:spcAft>
+                <a:spcPct val="0"/>
+              </a:spcAft>
+              <a:defRPr sz="2500">
+                <a:solidFill>
+                  <a:srgbClr val="EE3224"/>
+                </a:solidFill>
+                <a:latin typeface="Arial" charset="0"/>
+                <a:ea typeface="ＭＳ Ｐゴシック" charset="0"/>
+                <a:cs typeface="Arial" charset="0"/>
+              </a:defRPr>
+            </a:lvl5pPr>
+            <a:lvl6pPr marL="457200" algn="l" rtl="0" fontAlgn="base">
+              <a:spcBef>
+                <a:spcPct val="0"/>
+              </a:spcBef>
+              <a:spcAft>
+                <a:spcPct val="0"/>
+              </a:spcAft>
+              <a:defRPr sz="2500">
+                <a:solidFill>
+                  <a:srgbClr val="EE3224"/>
+                </a:solidFill>
+                <a:latin typeface="Arial" charset="0"/>
+                <a:cs typeface="Arial" charset="0"/>
+              </a:defRPr>
+            </a:lvl6pPr>
+            <a:lvl7pPr marL="914400" algn="l" rtl="0" fontAlgn="base">
+              <a:spcBef>
+                <a:spcPct val="0"/>
+              </a:spcBef>
+              <a:spcAft>
+                <a:spcPct val="0"/>
+              </a:spcAft>
+              <a:defRPr sz="2500">
+                <a:solidFill>
+                  <a:srgbClr val="EE3224"/>
+                </a:solidFill>
+                <a:latin typeface="Arial" charset="0"/>
+                <a:cs typeface="Arial" charset="0"/>
+              </a:defRPr>
+            </a:lvl7pPr>
+            <a:lvl8pPr marL="1371600" algn="l" rtl="0" fontAlgn="base">
+              <a:spcBef>
+                <a:spcPct val="0"/>
+              </a:spcBef>
+              <a:spcAft>
+                <a:spcPct val="0"/>
+              </a:spcAft>
+              <a:defRPr sz="2500">
+                <a:solidFill>
+                  <a:srgbClr val="EE3224"/>
+                </a:solidFill>
+                <a:latin typeface="Arial" charset="0"/>
+                <a:cs typeface="Arial" charset="0"/>
+              </a:defRPr>
+            </a:lvl8pPr>
+            <a:lvl9pPr marL="1828800" algn="l" rtl="0" fontAlgn="base">
+              <a:spcBef>
+                <a:spcPct val="0"/>
+              </a:spcBef>
+              <a:spcAft>
+                <a:spcPct val="0"/>
+              </a:spcAft>
+              <a:defRPr sz="2500">
+                <a:solidFill>
+                  <a:srgbClr val="EE3224"/>
+                </a:solidFill>
+                <a:latin typeface="Arial" charset="0"/>
+                <a:cs typeface="Arial" charset="0"/>
+              </a:defRPr>
+            </a:lvl9pPr>
+          </a:lstStyle>
+          <a:p>
+            <a:r>
+              <a:rPr lang="en-US" altLang="en-US" kern="0" dirty="0"/>
+              <a:t>FP-growth Algorithm</a:t>
+            </a:r>
+          </a:p>
+        </p:txBody>
+      </p:sp>
+      <p:sp>
+        <p:nvSpPr>
+          <p:cNvPr id="16" name="TextBox 15">
+            <a:extLst>
+              <a:ext uri="{FF2B5EF4-FFF2-40B4-BE49-F238E27FC236}">
+                <a16:creationId xmlns:a16="http://schemas.microsoft.com/office/drawing/2014/main" id="{F1B8EFA1-5562-E1A6-505D-17B2F3B7A5D5}"/>
+              </a:ext>
+            </a:extLst>
+          </p:cNvPr>
+          <p:cNvSpPr txBox="1"/>
+          <p:nvPr/>
+        </p:nvSpPr>
+        <p:spPr>
+          <a:xfrm>
+            <a:off x="508000" y="1981200"/>
+            <a:ext cx="6701951" cy="1631216"/>
+          </a:xfrm>
+          <a:prstGeom prst="rect">
+            <a:avLst/>
+          </a:prstGeom>
+          <a:noFill/>
+        </p:spPr>
+        <p:txBody>
+          <a:bodyPr wrap="square" rtlCol="0">
+            <a:spAutoFit/>
+          </a:bodyPr>
+          <a:lstStyle/>
+          <a:p>
+            <a:r>
+              <a:rPr lang="en-AU" sz="2000" b="1" dirty="0">
+                <a:solidFill>
+                  <a:srgbClr val="000000"/>
+                </a:solidFill>
+              </a:rPr>
+              <a:t>A video for more detailed information about association rules</a:t>
+            </a:r>
+            <a:endParaRPr lang="en-AU" sz="2000" b="1" dirty="0">
+              <a:solidFill>
+                <a:schemeClr val="tx1"/>
+              </a:solidFill>
+            </a:endParaRPr>
+          </a:p>
+          <a:p>
+            <a:endParaRPr lang="en-AU" sz="2000" dirty="0">
+              <a:solidFill>
+                <a:schemeClr val="tx1"/>
+              </a:solidFill>
+            </a:endParaRPr>
+          </a:p>
+          <a:p>
+            <a:r>
+              <a:rPr lang="en-AU" sz="2000" dirty="0">
+                <a:solidFill>
+                  <a:schemeClr val="tx1"/>
+                </a:solidFill>
+                <a:hlinkClick r:id="rId3"/>
+              </a:rPr>
+              <a:t>https://www.youtube.com/watch?v=3LEUCV83OWM</a:t>
+            </a:r>
+            <a:endParaRPr lang="en-AU" sz="2000" dirty="0">
+              <a:solidFill>
+                <a:schemeClr val="tx1"/>
+              </a:solidFill>
+            </a:endParaRPr>
+          </a:p>
+          <a:p>
+            <a:endParaRPr lang="en-AU" sz="2000" dirty="0">
+              <a:solidFill>
+                <a:schemeClr val="tx1"/>
+              </a:solidFill>
+            </a:endParaRPr>
+          </a:p>
+        </p:txBody>
+      </p:sp>
+    </p:spTree>
+    <p:extLst>
+      <p:ext uri="{BB962C8B-B14F-4D97-AF65-F5344CB8AC3E}">
+        <p14:creationId xmlns:p14="http://schemas.microsoft.com/office/powerpoint/2010/main" val="3230847389"/>
+      </p:ext>
+    </p:extLst>
+  </p:cSld>
+  <p:clrMapOvr>
+    <a:masterClrMapping/>
+  </p:clrMapOvr>
+</p:sld>
+</file>
+
+<file path=ppt/slides/slide19.xml><?xml version="1.0" encoding="utf-8"?>
+<p:sld xmlns:a="http://schemas.openxmlformats.org/drawingml/2006/main" xmlns:r="http://schemas.openxmlformats.org/officeDocument/2006/relationships" xmlns:p="http://schemas.openxmlformats.org/presentationml/2006/main">
+  <p:cSld>
+    <p:spTree>
+      <p:nvGrpSpPr>
+        <p:cNvPr id="1" name=""/>
+        <p:cNvGrpSpPr/>
+        <p:nvPr/>
+      </p:nvGrpSpPr>
+      <p:grpSpPr>
+        <a:xfrm>
+          <a:off x="0" y="0"/>
+          <a:ext cx="0" cy="0"/>
+          <a:chOff x="0" y="0"/>
+          <a:chExt cx="0" cy="0"/>
+        </a:xfrm>
+      </p:grpSpPr>
+      <p:sp>
+        <p:nvSpPr>
+          <p:cNvPr id="2" name="Title 1">
+            <a:extLst>
+              <a:ext uri="{FF2B5EF4-FFF2-40B4-BE49-F238E27FC236}">
+                <a16:creationId xmlns:a16="http://schemas.microsoft.com/office/drawing/2014/main" id="{77241A0A-9BE0-6F82-ECC5-CCB82F58A608}"/>
+              </a:ext>
+            </a:extLst>
+          </p:cNvPr>
+          <p:cNvSpPr>
+            <a:spLocks noGrp="1"/>
+          </p:cNvSpPr>
+          <p:nvPr>
+            <p:ph type="title"/>
+          </p:nvPr>
+        </p:nvSpPr>
+        <p:spPr/>
+        <p:txBody>
+          <a:bodyPr/>
+          <a:lstStyle/>
+          <a:p>
+            <a:r>
+              <a:rPr lang="en-AU" sz="2400" dirty="0"/>
+              <a:t>Association Rules</a:t>
+            </a:r>
+            <a:endParaRPr lang="en-US" sz="2400" dirty="0"/>
+          </a:p>
+        </p:txBody>
+      </p:sp>
+      <p:sp>
+        <p:nvSpPr>
+          <p:cNvPr id="3" name="Footer Placeholder 2">
+            <a:extLst>
+              <a:ext uri="{FF2B5EF4-FFF2-40B4-BE49-F238E27FC236}">
+                <a16:creationId xmlns:a16="http://schemas.microsoft.com/office/drawing/2014/main" id="{CF8A62F1-9711-5818-FF0F-F822473E2A68}"/>
+              </a:ext>
+            </a:extLst>
+          </p:cNvPr>
+          <p:cNvSpPr>
+            <a:spLocks noGrp="1"/>
+          </p:cNvSpPr>
+          <p:nvPr>
+            <p:ph type="ftr" sz="quarter" idx="11"/>
+          </p:nvPr>
+        </p:nvSpPr>
+        <p:spPr/>
+        <p:txBody>
+          <a:bodyPr/>
+          <a:lstStyle/>
+          <a:p>
+            <a:pPr>
+              <a:defRPr/>
+            </a:pPr>
+            <a:r>
+              <a:rPr lang="en-AU"/>
+              <a:t>Big Data and Analytics</a:t>
+            </a:r>
+            <a:endParaRPr lang="en-US" dirty="0"/>
+          </a:p>
+        </p:txBody>
+      </p:sp>
+      <p:sp>
+        <p:nvSpPr>
+          <p:cNvPr id="4" name="Slide Number Placeholder 3">
+            <a:extLst>
+              <a:ext uri="{FF2B5EF4-FFF2-40B4-BE49-F238E27FC236}">
+                <a16:creationId xmlns:a16="http://schemas.microsoft.com/office/drawing/2014/main" id="{6F9A6C69-DCBF-6E87-BF4C-23A2BE58377F}"/>
+              </a:ext>
+            </a:extLst>
+          </p:cNvPr>
+          <p:cNvSpPr>
+            <a:spLocks noGrp="1"/>
+          </p:cNvSpPr>
+          <p:nvPr>
+            <p:ph type="sldNum" sz="quarter" idx="12"/>
+          </p:nvPr>
+        </p:nvSpPr>
+        <p:spPr/>
+        <p:txBody>
+          <a:bodyPr/>
+          <a:lstStyle/>
+          <a:p>
+            <a:fld id="{3956DA85-404E-9646-866F-75D030953504}" type="slidenum">
+              <a:rPr lang="en-US" smtClean="0"/>
+              <a:pPr/>
+              <a:t>19</a:t>
+            </a:fld>
+            <a:endParaRPr lang="en-US"/>
+          </a:p>
+        </p:txBody>
+      </p:sp>
+      <p:sp>
+        <p:nvSpPr>
+          <p:cNvPr id="5" name="Rectangle 2">
+            <a:extLst>
+              <a:ext uri="{FF2B5EF4-FFF2-40B4-BE49-F238E27FC236}">
+                <a16:creationId xmlns:a16="http://schemas.microsoft.com/office/drawing/2014/main" id="{6ADBF8DB-F168-5847-CC91-A0A9A3826FAD}"/>
+              </a:ext>
+            </a:extLst>
+          </p:cNvPr>
+          <p:cNvSpPr txBox="1">
+            <a:spLocks noChangeArrowheads="1"/>
+          </p:cNvSpPr>
+          <p:nvPr/>
+        </p:nvSpPr>
+        <p:spPr bwMode="auto">
+          <a:xfrm>
             <a:off x="2332037" y="1600200"/>
             <a:ext cx="8280400" cy="243168"/>
           </a:xfrm>
@@ -31622,7 +33374,7 @@
           <p:nvPr/>
         </p:nvPicPr>
         <p:blipFill>
-          <a:blip r:embed="rId2">
+          <a:blip r:embed="rId2" cstate="email">
             <a:extLst>
               <a:ext uri="{28A0092B-C50C-407E-A947-70E740481C1C}">
                 <a14:useLocalDpi xmlns:a14="http://schemas.microsoft.com/office/drawing/2010/main" val="0"/>
@@ -31649,408 +33401,6 @@
         <p14:creationId xmlns:p14="http://schemas.microsoft.com/office/powerpoint/2010/main" val="4127417426"/>
       </p:ext>
     </p:extLst>
-  </p:cSld>
-  <p:clrMapOvr>
-    <a:masterClrMapping/>
-  </p:clrMapOvr>
-</p:sld>
-</file>
-
-<file path=ppt/slides/slide19.xml><?xml version="1.0" encoding="utf-8"?>
-<p:sld xmlns:a="http://schemas.openxmlformats.org/drawingml/2006/main" xmlns:r="http://schemas.openxmlformats.org/officeDocument/2006/relationships" xmlns:p="http://schemas.openxmlformats.org/presentationml/2006/main">
-  <p:cSld>
-    <p:spTree>
-      <p:nvGrpSpPr>
-        <p:cNvPr id="1" name=""/>
-        <p:cNvGrpSpPr/>
-        <p:nvPr/>
-      </p:nvGrpSpPr>
-      <p:grpSpPr>
-        <a:xfrm>
-          <a:off x="0" y="0"/>
-          <a:ext cx="0" cy="0"/>
-          <a:chOff x="0" y="0"/>
-          <a:chExt cx="0" cy="0"/>
-        </a:xfrm>
-      </p:grpSpPr>
-      <p:pic>
-        <p:nvPicPr>
-          <p:cNvPr id="6" name="Picture 5"/>
-          <p:cNvPicPr>
-            <a:picLocks noChangeAspect="1"/>
-          </p:cNvPicPr>
-          <p:nvPr/>
-        </p:nvPicPr>
-        <p:blipFill>
-          <a:blip r:embed="rId2"/>
-          <a:stretch>
-            <a:fillRect/>
-          </a:stretch>
-        </p:blipFill>
-        <p:spPr>
-          <a:xfrm>
-            <a:off x="1524000" y="203201"/>
-            <a:ext cx="9144000" cy="6448425"/>
-          </a:xfrm>
-          <a:prstGeom prst="rect">
-            <a:avLst/>
-          </a:prstGeom>
-        </p:spPr>
-      </p:pic>
-      <p:sp>
-        <p:nvSpPr>
-          <p:cNvPr id="62468" name="Footer Placeholder 4"/>
-          <p:cNvSpPr>
-            <a:spLocks noGrp="1"/>
-          </p:cNvSpPr>
-          <p:nvPr>
-            <p:ph type="ftr" sz="quarter" idx="11"/>
-          </p:nvPr>
-        </p:nvSpPr>
-        <p:spPr>
-          <a:xfrm>
-            <a:off x="3481918" y="6575425"/>
-            <a:ext cx="5109633" cy="215900"/>
-          </a:xfrm>
-          <a:noFill/>
-          <a:extLst>
-            <a:ext uri="{909E8E84-426E-40DD-AFC4-6F175D3DCCD1}">
-              <a14:hiddenFill xmlns:a14="http://schemas.microsoft.com/office/drawing/2010/main">
-                <a:solidFill>
-                  <a:srgbClr val="FFFFFF"/>
-                </a:solidFill>
-              </a14:hiddenFill>
-            </a:ext>
-            <a:ext uri="{91240B29-F687-4F45-9708-019B960494DF}">
-              <a14:hiddenLine xmlns:a14="http://schemas.microsoft.com/office/drawing/2010/main" w="9525">
-                <a:solidFill>
-                  <a:srgbClr val="000000"/>
-                </a:solidFill>
-                <a:miter lim="800000"/>
-                <a:headEnd/>
-                <a:tailEnd/>
-              </a14:hiddenLine>
-            </a:ext>
-          </a:extLst>
-        </p:spPr>
-        <p:txBody>
-          <a:bodyPr/>
-          <a:lstStyle>
-            <a:lvl1pPr eaLnBrk="0" hangingPunct="0">
-              <a:defRPr sz="1000">
-                <a:solidFill>
-                  <a:schemeClr val="bg1"/>
-                </a:solidFill>
-                <a:latin typeface="Arial" charset="0"/>
-                <a:ea typeface="ＭＳ Ｐゴシック" charset="0"/>
-                <a:cs typeface="Arial" charset="0"/>
-              </a:defRPr>
-            </a:lvl1pPr>
-            <a:lvl2pPr marL="742950" indent="-285750" eaLnBrk="0" hangingPunct="0">
-              <a:defRPr sz="1000">
-                <a:solidFill>
-                  <a:schemeClr val="bg1"/>
-                </a:solidFill>
-                <a:latin typeface="Arial" charset="0"/>
-                <a:ea typeface="Arial" charset="0"/>
-                <a:cs typeface="Arial" charset="0"/>
-              </a:defRPr>
-            </a:lvl2pPr>
-            <a:lvl3pPr marL="1143000" indent="-228600" eaLnBrk="0" hangingPunct="0">
-              <a:defRPr sz="1000">
-                <a:solidFill>
-                  <a:schemeClr val="bg1"/>
-                </a:solidFill>
-                <a:latin typeface="Arial" charset="0"/>
-                <a:ea typeface="Arial" charset="0"/>
-                <a:cs typeface="Arial" charset="0"/>
-              </a:defRPr>
-            </a:lvl3pPr>
-            <a:lvl4pPr marL="1600200" indent="-228600" eaLnBrk="0" hangingPunct="0">
-              <a:defRPr sz="1000">
-                <a:solidFill>
-                  <a:schemeClr val="bg1"/>
-                </a:solidFill>
-                <a:latin typeface="Arial" charset="0"/>
-                <a:ea typeface="Arial" charset="0"/>
-                <a:cs typeface="Arial" charset="0"/>
-              </a:defRPr>
-            </a:lvl4pPr>
-            <a:lvl5pPr marL="2057400" indent="-228600" eaLnBrk="0" hangingPunct="0">
-              <a:defRPr sz="1000">
-                <a:solidFill>
-                  <a:schemeClr val="bg1"/>
-                </a:solidFill>
-                <a:latin typeface="Arial" charset="0"/>
-                <a:ea typeface="Arial" charset="0"/>
-                <a:cs typeface="Arial" charset="0"/>
-              </a:defRPr>
-            </a:lvl5pPr>
-            <a:lvl6pPr marL="2514600" indent="-228600" eaLnBrk="0" fontAlgn="b" hangingPunct="0">
-              <a:spcBef>
-                <a:spcPct val="0"/>
-              </a:spcBef>
-              <a:spcAft>
-                <a:spcPct val="0"/>
-              </a:spcAft>
-              <a:defRPr sz="1000">
-                <a:solidFill>
-                  <a:schemeClr val="bg1"/>
-                </a:solidFill>
-                <a:latin typeface="Arial" charset="0"/>
-                <a:ea typeface="Arial" charset="0"/>
-                <a:cs typeface="Arial" charset="0"/>
-              </a:defRPr>
-            </a:lvl6pPr>
-            <a:lvl7pPr marL="2971800" indent="-228600" eaLnBrk="0" fontAlgn="b" hangingPunct="0">
-              <a:spcBef>
-                <a:spcPct val="0"/>
-              </a:spcBef>
-              <a:spcAft>
-                <a:spcPct val="0"/>
-              </a:spcAft>
-              <a:defRPr sz="1000">
-                <a:solidFill>
-                  <a:schemeClr val="bg1"/>
-                </a:solidFill>
-                <a:latin typeface="Arial" charset="0"/>
-                <a:ea typeface="Arial" charset="0"/>
-                <a:cs typeface="Arial" charset="0"/>
-              </a:defRPr>
-            </a:lvl7pPr>
-            <a:lvl8pPr marL="3429000" indent="-228600" eaLnBrk="0" fontAlgn="b" hangingPunct="0">
-              <a:spcBef>
-                <a:spcPct val="0"/>
-              </a:spcBef>
-              <a:spcAft>
-                <a:spcPct val="0"/>
-              </a:spcAft>
-              <a:defRPr sz="1000">
-                <a:solidFill>
-                  <a:schemeClr val="bg1"/>
-                </a:solidFill>
-                <a:latin typeface="Arial" charset="0"/>
-                <a:ea typeface="Arial" charset="0"/>
-                <a:cs typeface="Arial" charset="0"/>
-              </a:defRPr>
-            </a:lvl8pPr>
-            <a:lvl9pPr marL="3886200" indent="-228600" eaLnBrk="0" fontAlgn="b" hangingPunct="0">
-              <a:spcBef>
-                <a:spcPct val="0"/>
-              </a:spcBef>
-              <a:spcAft>
-                <a:spcPct val="0"/>
-              </a:spcAft>
-              <a:defRPr sz="1000">
-                <a:solidFill>
-                  <a:schemeClr val="bg1"/>
-                </a:solidFill>
-                <a:latin typeface="Arial" charset="0"/>
-                <a:ea typeface="Arial" charset="0"/>
-                <a:cs typeface="Arial" charset="0"/>
-              </a:defRPr>
-            </a:lvl9pPr>
-          </a:lstStyle>
-          <a:p>
-            <a:pPr>
-              <a:defRPr/>
-            </a:pPr>
-            <a:r>
-              <a:rPr lang="en-AU" sz="1400" dirty="0"/>
-              <a:t>Big Data and Analytics</a:t>
-            </a:r>
-            <a:endParaRPr lang="en-US" sz="1400" dirty="0"/>
-          </a:p>
-        </p:txBody>
-      </p:sp>
-      <p:sp>
-        <p:nvSpPr>
-          <p:cNvPr id="62467" name="Slide Number Placeholder 5"/>
-          <p:cNvSpPr>
-            <a:spLocks noGrp="1"/>
-          </p:cNvSpPr>
-          <p:nvPr>
-            <p:ph type="sldNum" sz="quarter" idx="12"/>
-          </p:nvPr>
-        </p:nvSpPr>
-        <p:spPr>
-          <a:xfrm>
-            <a:off x="8697384" y="6578600"/>
-            <a:ext cx="2844800" cy="215900"/>
-          </a:xfrm>
-          <a:noFill/>
-          <a:extLst>
-            <a:ext uri="{909E8E84-426E-40DD-AFC4-6F175D3DCCD1}">
-              <a14:hiddenFill xmlns:a14="http://schemas.microsoft.com/office/drawing/2010/main">
-                <a:solidFill>
-                  <a:srgbClr val="FFFFFF"/>
-                </a:solidFill>
-              </a14:hiddenFill>
-            </a:ext>
-            <a:ext uri="{91240B29-F687-4F45-9708-019B960494DF}">
-              <a14:hiddenLine xmlns:a14="http://schemas.microsoft.com/office/drawing/2010/main" w="9525">
-                <a:solidFill>
-                  <a:srgbClr val="000000"/>
-                </a:solidFill>
-                <a:miter lim="800000"/>
-                <a:headEnd/>
-                <a:tailEnd/>
-              </a14:hiddenLine>
-            </a:ext>
-          </a:extLst>
-        </p:spPr>
-        <p:txBody>
-          <a:bodyPr/>
-          <a:lstStyle>
-            <a:lvl1pPr eaLnBrk="0" hangingPunct="0">
-              <a:defRPr sz="1000">
-                <a:solidFill>
-                  <a:schemeClr val="bg1"/>
-                </a:solidFill>
-                <a:latin typeface="Arial" charset="0"/>
-                <a:ea typeface="ＭＳ Ｐゴシック" charset="0"/>
-                <a:cs typeface="Arial" charset="0"/>
-              </a:defRPr>
-            </a:lvl1pPr>
-            <a:lvl2pPr marL="742950" indent="-285750" eaLnBrk="0" hangingPunct="0">
-              <a:defRPr sz="1000">
-                <a:solidFill>
-                  <a:schemeClr val="bg1"/>
-                </a:solidFill>
-                <a:latin typeface="Arial" charset="0"/>
-                <a:ea typeface="Arial" charset="0"/>
-                <a:cs typeface="Arial" charset="0"/>
-              </a:defRPr>
-            </a:lvl2pPr>
-            <a:lvl3pPr marL="1143000" indent="-228600" eaLnBrk="0" hangingPunct="0">
-              <a:defRPr sz="1000">
-                <a:solidFill>
-                  <a:schemeClr val="bg1"/>
-                </a:solidFill>
-                <a:latin typeface="Arial" charset="0"/>
-                <a:ea typeface="Arial" charset="0"/>
-                <a:cs typeface="Arial" charset="0"/>
-              </a:defRPr>
-            </a:lvl3pPr>
-            <a:lvl4pPr marL="1600200" indent="-228600" eaLnBrk="0" hangingPunct="0">
-              <a:defRPr sz="1000">
-                <a:solidFill>
-                  <a:schemeClr val="bg1"/>
-                </a:solidFill>
-                <a:latin typeface="Arial" charset="0"/>
-                <a:ea typeface="Arial" charset="0"/>
-                <a:cs typeface="Arial" charset="0"/>
-              </a:defRPr>
-            </a:lvl4pPr>
-            <a:lvl5pPr marL="2057400" indent="-228600" eaLnBrk="0" hangingPunct="0">
-              <a:defRPr sz="1000">
-                <a:solidFill>
-                  <a:schemeClr val="bg1"/>
-                </a:solidFill>
-                <a:latin typeface="Arial" charset="0"/>
-                <a:ea typeface="Arial" charset="0"/>
-                <a:cs typeface="Arial" charset="0"/>
-              </a:defRPr>
-            </a:lvl5pPr>
-            <a:lvl6pPr marL="2514600" indent="-228600" eaLnBrk="0" fontAlgn="b" hangingPunct="0">
-              <a:spcBef>
-                <a:spcPct val="0"/>
-              </a:spcBef>
-              <a:spcAft>
-                <a:spcPct val="0"/>
-              </a:spcAft>
-              <a:defRPr sz="1000">
-                <a:solidFill>
-                  <a:schemeClr val="bg1"/>
-                </a:solidFill>
-                <a:latin typeface="Arial" charset="0"/>
-                <a:ea typeface="Arial" charset="0"/>
-                <a:cs typeface="Arial" charset="0"/>
-              </a:defRPr>
-            </a:lvl6pPr>
-            <a:lvl7pPr marL="2971800" indent="-228600" eaLnBrk="0" fontAlgn="b" hangingPunct="0">
-              <a:spcBef>
-                <a:spcPct val="0"/>
-              </a:spcBef>
-              <a:spcAft>
-                <a:spcPct val="0"/>
-              </a:spcAft>
-              <a:defRPr sz="1000">
-                <a:solidFill>
-                  <a:schemeClr val="bg1"/>
-                </a:solidFill>
-                <a:latin typeface="Arial" charset="0"/>
-                <a:ea typeface="Arial" charset="0"/>
-                <a:cs typeface="Arial" charset="0"/>
-              </a:defRPr>
-            </a:lvl7pPr>
-            <a:lvl8pPr marL="3429000" indent="-228600" eaLnBrk="0" fontAlgn="b" hangingPunct="0">
-              <a:spcBef>
-                <a:spcPct val="0"/>
-              </a:spcBef>
-              <a:spcAft>
-                <a:spcPct val="0"/>
-              </a:spcAft>
-              <a:defRPr sz="1000">
-                <a:solidFill>
-                  <a:schemeClr val="bg1"/>
-                </a:solidFill>
-                <a:latin typeface="Arial" charset="0"/>
-                <a:ea typeface="Arial" charset="0"/>
-                <a:cs typeface="Arial" charset="0"/>
-              </a:defRPr>
-            </a:lvl8pPr>
-            <a:lvl9pPr marL="3886200" indent="-228600" eaLnBrk="0" fontAlgn="b" hangingPunct="0">
-              <a:spcBef>
-                <a:spcPct val="0"/>
-              </a:spcBef>
-              <a:spcAft>
-                <a:spcPct val="0"/>
-              </a:spcAft>
-              <a:defRPr sz="1000">
-                <a:solidFill>
-                  <a:schemeClr val="bg1"/>
-                </a:solidFill>
-                <a:latin typeface="Arial" charset="0"/>
-                <a:ea typeface="Arial" charset="0"/>
-                <a:cs typeface="Arial" charset="0"/>
-              </a:defRPr>
-            </a:lvl9pPr>
-          </a:lstStyle>
-          <a:p>
-            <a:pPr eaLnBrk="1" hangingPunct="1"/>
-            <a:fld id="{C5114520-BFC2-3C45-8A72-E6B68FBD8EB3}" type="slidenum">
-              <a:rPr lang="en-AU" sz="1100"/>
-              <a:pPr eaLnBrk="1" hangingPunct="1"/>
-              <a:t>19</a:t>
-            </a:fld>
-            <a:endParaRPr lang="en-AU" sz="1100"/>
-          </a:p>
-        </p:txBody>
-      </p:sp>
-      <p:sp>
-        <p:nvSpPr>
-          <p:cNvPr id="2" name="Title 1"/>
-          <p:cNvSpPr>
-            <a:spLocks noGrp="1"/>
-          </p:cNvSpPr>
-          <p:nvPr>
-            <p:ph type="title"/>
-          </p:nvPr>
-        </p:nvSpPr>
-        <p:spPr/>
-        <p:txBody>
-          <a:bodyPr/>
-          <a:lstStyle/>
-          <a:p>
-            <a:r>
-              <a:rPr lang="en-AU" dirty="0"/>
-              <a:t>Questions?</a:t>
-            </a:r>
-          </a:p>
-        </p:txBody>
-      </p:sp>
-    </p:spTree>
   </p:cSld>
   <p:clrMapOvr>
     <a:masterClrMapping/>
@@ -32562,7 +33912,7 @@
           <p:nvPr/>
         </p:nvPicPr>
         <p:blipFill>
-          <a:blip r:embed="rId3">
+          <a:blip r:embed="rId3" cstate="email">
             <a:extLst>
               <a:ext uri="{28A0092B-C50C-407E-A947-70E740481C1C}">
                 <a14:useLocalDpi xmlns:a14="http://schemas.microsoft.com/office/drawing/2010/main" val="0"/>
@@ -32598,7 +33948,7 @@
           <p:nvPr/>
         </p:nvPicPr>
         <p:blipFill>
-          <a:blip r:embed="rId4">
+          <a:blip r:embed="rId4" cstate="email">
             <a:extLst>
               <a:ext uri="{28A0092B-C50C-407E-A947-70E740481C1C}">
                 <a14:useLocalDpi xmlns:a14="http://schemas.microsoft.com/office/drawing/2010/main" val="0"/>
@@ -32636,6 +33986,408 @@
         <p14:creationId xmlns:p14="http://schemas.microsoft.com/office/powerpoint/2010/main" val="3362056090"/>
       </p:ext>
     </p:extLst>
+  </p:cSld>
+  <p:clrMapOvr>
+    <a:masterClrMapping/>
+  </p:clrMapOvr>
+</p:sld>
+</file>
+
+<file path=ppt/slides/slide20.xml><?xml version="1.0" encoding="utf-8"?>
+<p:sld xmlns:a="http://schemas.openxmlformats.org/drawingml/2006/main" xmlns:r="http://schemas.openxmlformats.org/officeDocument/2006/relationships" xmlns:p="http://schemas.openxmlformats.org/presentationml/2006/main">
+  <p:cSld>
+    <p:spTree>
+      <p:nvGrpSpPr>
+        <p:cNvPr id="1" name=""/>
+        <p:cNvGrpSpPr/>
+        <p:nvPr/>
+      </p:nvGrpSpPr>
+      <p:grpSpPr>
+        <a:xfrm>
+          <a:off x="0" y="0"/>
+          <a:ext cx="0" cy="0"/>
+          <a:chOff x="0" y="0"/>
+          <a:chExt cx="0" cy="0"/>
+        </a:xfrm>
+      </p:grpSpPr>
+      <p:pic>
+        <p:nvPicPr>
+          <p:cNvPr id="6" name="Picture 5"/>
+          <p:cNvPicPr>
+            <a:picLocks noChangeAspect="1"/>
+          </p:cNvPicPr>
+          <p:nvPr/>
+        </p:nvPicPr>
+        <p:blipFill>
+          <a:blip r:embed="rId2"/>
+          <a:stretch>
+            <a:fillRect/>
+          </a:stretch>
+        </p:blipFill>
+        <p:spPr>
+          <a:xfrm>
+            <a:off x="1524000" y="203201"/>
+            <a:ext cx="9144000" cy="6448425"/>
+          </a:xfrm>
+          <a:prstGeom prst="rect">
+            <a:avLst/>
+          </a:prstGeom>
+        </p:spPr>
+      </p:pic>
+      <p:sp>
+        <p:nvSpPr>
+          <p:cNvPr id="62468" name="Footer Placeholder 4"/>
+          <p:cNvSpPr>
+            <a:spLocks noGrp="1"/>
+          </p:cNvSpPr>
+          <p:nvPr>
+            <p:ph type="ftr" sz="quarter" idx="11"/>
+          </p:nvPr>
+        </p:nvSpPr>
+        <p:spPr>
+          <a:xfrm>
+            <a:off x="3481918" y="6575425"/>
+            <a:ext cx="5109633" cy="215900"/>
+          </a:xfrm>
+          <a:noFill/>
+          <a:extLst>
+            <a:ext uri="{909E8E84-426E-40DD-AFC4-6F175D3DCCD1}">
+              <a14:hiddenFill xmlns:a14="http://schemas.microsoft.com/office/drawing/2010/main">
+                <a:solidFill>
+                  <a:srgbClr val="FFFFFF"/>
+                </a:solidFill>
+              </a14:hiddenFill>
+            </a:ext>
+            <a:ext uri="{91240B29-F687-4F45-9708-019B960494DF}">
+              <a14:hiddenLine xmlns:a14="http://schemas.microsoft.com/office/drawing/2010/main" w="9525">
+                <a:solidFill>
+                  <a:srgbClr val="000000"/>
+                </a:solidFill>
+                <a:miter lim="800000"/>
+                <a:headEnd/>
+                <a:tailEnd/>
+              </a14:hiddenLine>
+            </a:ext>
+          </a:extLst>
+        </p:spPr>
+        <p:txBody>
+          <a:bodyPr/>
+          <a:lstStyle>
+            <a:lvl1pPr eaLnBrk="0" hangingPunct="0">
+              <a:defRPr sz="1000">
+                <a:solidFill>
+                  <a:schemeClr val="bg1"/>
+                </a:solidFill>
+                <a:latin typeface="Arial" charset="0"/>
+                <a:ea typeface="ＭＳ Ｐゴシック" charset="0"/>
+                <a:cs typeface="Arial" charset="0"/>
+              </a:defRPr>
+            </a:lvl1pPr>
+            <a:lvl2pPr marL="742950" indent="-285750" eaLnBrk="0" hangingPunct="0">
+              <a:defRPr sz="1000">
+                <a:solidFill>
+                  <a:schemeClr val="bg1"/>
+                </a:solidFill>
+                <a:latin typeface="Arial" charset="0"/>
+                <a:ea typeface="Arial" charset="0"/>
+                <a:cs typeface="Arial" charset="0"/>
+              </a:defRPr>
+            </a:lvl2pPr>
+            <a:lvl3pPr marL="1143000" indent="-228600" eaLnBrk="0" hangingPunct="0">
+              <a:defRPr sz="1000">
+                <a:solidFill>
+                  <a:schemeClr val="bg1"/>
+                </a:solidFill>
+                <a:latin typeface="Arial" charset="0"/>
+                <a:ea typeface="Arial" charset="0"/>
+                <a:cs typeface="Arial" charset="0"/>
+              </a:defRPr>
+            </a:lvl3pPr>
+            <a:lvl4pPr marL="1600200" indent="-228600" eaLnBrk="0" hangingPunct="0">
+              <a:defRPr sz="1000">
+                <a:solidFill>
+                  <a:schemeClr val="bg1"/>
+                </a:solidFill>
+                <a:latin typeface="Arial" charset="0"/>
+                <a:ea typeface="Arial" charset="0"/>
+                <a:cs typeface="Arial" charset="0"/>
+              </a:defRPr>
+            </a:lvl4pPr>
+            <a:lvl5pPr marL="2057400" indent="-228600" eaLnBrk="0" hangingPunct="0">
+              <a:defRPr sz="1000">
+                <a:solidFill>
+                  <a:schemeClr val="bg1"/>
+                </a:solidFill>
+                <a:latin typeface="Arial" charset="0"/>
+                <a:ea typeface="Arial" charset="0"/>
+                <a:cs typeface="Arial" charset="0"/>
+              </a:defRPr>
+            </a:lvl5pPr>
+            <a:lvl6pPr marL="2514600" indent="-228600" eaLnBrk="0" fontAlgn="b" hangingPunct="0">
+              <a:spcBef>
+                <a:spcPct val="0"/>
+              </a:spcBef>
+              <a:spcAft>
+                <a:spcPct val="0"/>
+              </a:spcAft>
+              <a:defRPr sz="1000">
+                <a:solidFill>
+                  <a:schemeClr val="bg1"/>
+                </a:solidFill>
+                <a:latin typeface="Arial" charset="0"/>
+                <a:ea typeface="Arial" charset="0"/>
+                <a:cs typeface="Arial" charset="0"/>
+              </a:defRPr>
+            </a:lvl6pPr>
+            <a:lvl7pPr marL="2971800" indent="-228600" eaLnBrk="0" fontAlgn="b" hangingPunct="0">
+              <a:spcBef>
+                <a:spcPct val="0"/>
+              </a:spcBef>
+              <a:spcAft>
+                <a:spcPct val="0"/>
+              </a:spcAft>
+              <a:defRPr sz="1000">
+                <a:solidFill>
+                  <a:schemeClr val="bg1"/>
+                </a:solidFill>
+                <a:latin typeface="Arial" charset="0"/>
+                <a:ea typeface="Arial" charset="0"/>
+                <a:cs typeface="Arial" charset="0"/>
+              </a:defRPr>
+            </a:lvl7pPr>
+            <a:lvl8pPr marL="3429000" indent="-228600" eaLnBrk="0" fontAlgn="b" hangingPunct="0">
+              <a:spcBef>
+                <a:spcPct val="0"/>
+              </a:spcBef>
+              <a:spcAft>
+                <a:spcPct val="0"/>
+              </a:spcAft>
+              <a:defRPr sz="1000">
+                <a:solidFill>
+                  <a:schemeClr val="bg1"/>
+                </a:solidFill>
+                <a:latin typeface="Arial" charset="0"/>
+                <a:ea typeface="Arial" charset="0"/>
+                <a:cs typeface="Arial" charset="0"/>
+              </a:defRPr>
+            </a:lvl8pPr>
+            <a:lvl9pPr marL="3886200" indent="-228600" eaLnBrk="0" fontAlgn="b" hangingPunct="0">
+              <a:spcBef>
+                <a:spcPct val="0"/>
+              </a:spcBef>
+              <a:spcAft>
+                <a:spcPct val="0"/>
+              </a:spcAft>
+              <a:defRPr sz="1000">
+                <a:solidFill>
+                  <a:schemeClr val="bg1"/>
+                </a:solidFill>
+                <a:latin typeface="Arial" charset="0"/>
+                <a:ea typeface="Arial" charset="0"/>
+                <a:cs typeface="Arial" charset="0"/>
+              </a:defRPr>
+            </a:lvl9pPr>
+          </a:lstStyle>
+          <a:p>
+            <a:pPr>
+              <a:defRPr/>
+            </a:pPr>
+            <a:r>
+              <a:rPr lang="en-AU" sz="1400" dirty="0"/>
+              <a:t>Big Data and Analytics</a:t>
+            </a:r>
+            <a:endParaRPr lang="en-US" sz="1400" dirty="0"/>
+          </a:p>
+        </p:txBody>
+      </p:sp>
+      <p:sp>
+        <p:nvSpPr>
+          <p:cNvPr id="62467" name="Slide Number Placeholder 5"/>
+          <p:cNvSpPr>
+            <a:spLocks noGrp="1"/>
+          </p:cNvSpPr>
+          <p:nvPr>
+            <p:ph type="sldNum" sz="quarter" idx="12"/>
+          </p:nvPr>
+        </p:nvSpPr>
+        <p:spPr>
+          <a:xfrm>
+            <a:off x="8697384" y="6578600"/>
+            <a:ext cx="2844800" cy="215900"/>
+          </a:xfrm>
+          <a:noFill/>
+          <a:extLst>
+            <a:ext uri="{909E8E84-426E-40DD-AFC4-6F175D3DCCD1}">
+              <a14:hiddenFill xmlns:a14="http://schemas.microsoft.com/office/drawing/2010/main">
+                <a:solidFill>
+                  <a:srgbClr val="FFFFFF"/>
+                </a:solidFill>
+              </a14:hiddenFill>
+            </a:ext>
+            <a:ext uri="{91240B29-F687-4F45-9708-019B960494DF}">
+              <a14:hiddenLine xmlns:a14="http://schemas.microsoft.com/office/drawing/2010/main" w="9525">
+                <a:solidFill>
+                  <a:srgbClr val="000000"/>
+                </a:solidFill>
+                <a:miter lim="800000"/>
+                <a:headEnd/>
+                <a:tailEnd/>
+              </a14:hiddenLine>
+            </a:ext>
+          </a:extLst>
+        </p:spPr>
+        <p:txBody>
+          <a:bodyPr/>
+          <a:lstStyle>
+            <a:lvl1pPr eaLnBrk="0" hangingPunct="0">
+              <a:defRPr sz="1000">
+                <a:solidFill>
+                  <a:schemeClr val="bg1"/>
+                </a:solidFill>
+                <a:latin typeface="Arial" charset="0"/>
+                <a:ea typeface="ＭＳ Ｐゴシック" charset="0"/>
+                <a:cs typeface="Arial" charset="0"/>
+              </a:defRPr>
+            </a:lvl1pPr>
+            <a:lvl2pPr marL="742950" indent="-285750" eaLnBrk="0" hangingPunct="0">
+              <a:defRPr sz="1000">
+                <a:solidFill>
+                  <a:schemeClr val="bg1"/>
+                </a:solidFill>
+                <a:latin typeface="Arial" charset="0"/>
+                <a:ea typeface="Arial" charset="0"/>
+                <a:cs typeface="Arial" charset="0"/>
+              </a:defRPr>
+            </a:lvl2pPr>
+            <a:lvl3pPr marL="1143000" indent="-228600" eaLnBrk="0" hangingPunct="0">
+              <a:defRPr sz="1000">
+                <a:solidFill>
+                  <a:schemeClr val="bg1"/>
+                </a:solidFill>
+                <a:latin typeface="Arial" charset="0"/>
+                <a:ea typeface="Arial" charset="0"/>
+                <a:cs typeface="Arial" charset="0"/>
+              </a:defRPr>
+            </a:lvl3pPr>
+            <a:lvl4pPr marL="1600200" indent="-228600" eaLnBrk="0" hangingPunct="0">
+              <a:defRPr sz="1000">
+                <a:solidFill>
+                  <a:schemeClr val="bg1"/>
+                </a:solidFill>
+                <a:latin typeface="Arial" charset="0"/>
+                <a:ea typeface="Arial" charset="0"/>
+                <a:cs typeface="Arial" charset="0"/>
+              </a:defRPr>
+            </a:lvl4pPr>
+            <a:lvl5pPr marL="2057400" indent="-228600" eaLnBrk="0" hangingPunct="0">
+              <a:defRPr sz="1000">
+                <a:solidFill>
+                  <a:schemeClr val="bg1"/>
+                </a:solidFill>
+                <a:latin typeface="Arial" charset="0"/>
+                <a:ea typeface="Arial" charset="0"/>
+                <a:cs typeface="Arial" charset="0"/>
+              </a:defRPr>
+            </a:lvl5pPr>
+            <a:lvl6pPr marL="2514600" indent="-228600" eaLnBrk="0" fontAlgn="b" hangingPunct="0">
+              <a:spcBef>
+                <a:spcPct val="0"/>
+              </a:spcBef>
+              <a:spcAft>
+                <a:spcPct val="0"/>
+              </a:spcAft>
+              <a:defRPr sz="1000">
+                <a:solidFill>
+                  <a:schemeClr val="bg1"/>
+                </a:solidFill>
+                <a:latin typeface="Arial" charset="0"/>
+                <a:ea typeface="Arial" charset="0"/>
+                <a:cs typeface="Arial" charset="0"/>
+              </a:defRPr>
+            </a:lvl6pPr>
+            <a:lvl7pPr marL="2971800" indent="-228600" eaLnBrk="0" fontAlgn="b" hangingPunct="0">
+              <a:spcBef>
+                <a:spcPct val="0"/>
+              </a:spcBef>
+              <a:spcAft>
+                <a:spcPct val="0"/>
+              </a:spcAft>
+              <a:defRPr sz="1000">
+                <a:solidFill>
+                  <a:schemeClr val="bg1"/>
+                </a:solidFill>
+                <a:latin typeface="Arial" charset="0"/>
+                <a:ea typeface="Arial" charset="0"/>
+                <a:cs typeface="Arial" charset="0"/>
+              </a:defRPr>
+            </a:lvl7pPr>
+            <a:lvl8pPr marL="3429000" indent="-228600" eaLnBrk="0" fontAlgn="b" hangingPunct="0">
+              <a:spcBef>
+                <a:spcPct val="0"/>
+              </a:spcBef>
+              <a:spcAft>
+                <a:spcPct val="0"/>
+              </a:spcAft>
+              <a:defRPr sz="1000">
+                <a:solidFill>
+                  <a:schemeClr val="bg1"/>
+                </a:solidFill>
+                <a:latin typeface="Arial" charset="0"/>
+                <a:ea typeface="Arial" charset="0"/>
+                <a:cs typeface="Arial" charset="0"/>
+              </a:defRPr>
+            </a:lvl8pPr>
+            <a:lvl9pPr marL="3886200" indent="-228600" eaLnBrk="0" fontAlgn="b" hangingPunct="0">
+              <a:spcBef>
+                <a:spcPct val="0"/>
+              </a:spcBef>
+              <a:spcAft>
+                <a:spcPct val="0"/>
+              </a:spcAft>
+              <a:defRPr sz="1000">
+                <a:solidFill>
+                  <a:schemeClr val="bg1"/>
+                </a:solidFill>
+                <a:latin typeface="Arial" charset="0"/>
+                <a:ea typeface="Arial" charset="0"/>
+                <a:cs typeface="Arial" charset="0"/>
+              </a:defRPr>
+            </a:lvl9pPr>
+          </a:lstStyle>
+          <a:p>
+            <a:pPr eaLnBrk="1" hangingPunct="1"/>
+            <a:fld id="{C5114520-BFC2-3C45-8A72-E6B68FBD8EB3}" type="slidenum">
+              <a:rPr lang="en-AU" sz="1100"/>
+              <a:pPr eaLnBrk="1" hangingPunct="1"/>
+              <a:t>20</a:t>
+            </a:fld>
+            <a:endParaRPr lang="en-AU" sz="1100"/>
+          </a:p>
+        </p:txBody>
+      </p:sp>
+      <p:sp>
+        <p:nvSpPr>
+          <p:cNvPr id="2" name="Title 1"/>
+          <p:cNvSpPr>
+            <a:spLocks noGrp="1"/>
+          </p:cNvSpPr>
+          <p:nvPr>
+            <p:ph type="title"/>
+          </p:nvPr>
+        </p:nvSpPr>
+        <p:spPr/>
+        <p:txBody>
+          <a:bodyPr/>
+          <a:lstStyle/>
+          <a:p>
+            <a:r>
+              <a:rPr lang="en-AU" dirty="0"/>
+              <a:t>Questions?</a:t>
+            </a:r>
+          </a:p>
+        </p:txBody>
+      </p:sp>
+    </p:spTree>
   </p:cSld>
   <p:clrMapOvr>
     <a:masterClrMapping/>
@@ -38020,8 +39772,8 @@
         </p:nvSpPr>
         <p:spPr>
           <a:xfrm>
-            <a:off x="2057400" y="1143000"/>
-            <a:ext cx="8318500" cy="1143000"/>
+            <a:off x="1447800" y="1143000"/>
+            <a:ext cx="8928100" cy="1143000"/>
           </a:xfrm>
           <a:prstGeom prst="rect">
             <a:avLst/>
@@ -38243,7 +39995,7 @@
         </p:nvSpPr>
         <p:spPr bwMode="auto">
           <a:xfrm>
-            <a:off x="1981200" y="2819400"/>
+            <a:off x="1600200" y="2391430"/>
             <a:ext cx="4191000" cy="396875"/>
           </a:xfrm>
           <a:prstGeom prst="rect">
@@ -38317,10 +40069,16 @@
           <p:cNvGraphicFramePr>
             <a:graphicFrameLocks noChangeAspect="1"/>
           </p:cNvGraphicFramePr>
-          <p:nvPr/>
+          <p:nvPr>
+            <p:extLst>
+              <p:ext uri="{D42A27DB-BD31-4B8C-83A1-F6EECF244321}">
+                <p14:modId xmlns:p14="http://schemas.microsoft.com/office/powerpoint/2010/main" val="2156082682"/>
+              </p:ext>
+            </p:extLst>
+          </p:nvPr>
         </p:nvGraphicFramePr>
         <p:xfrm>
-          <a:off x="1905000" y="3429000"/>
+          <a:off x="1447800" y="3024118"/>
           <a:ext cx="4343400" cy="2532063"/>
         </p:xfrm>
         <a:graphic>
@@ -38363,7 +40121,7 @@
                     </p:blipFill>
                     <p:spPr bwMode="auto">
                       <a:xfrm>
-                        <a:off x="1905000" y="3429000"/>
+                        <a:off x="1447800" y="3024118"/>
                         <a:ext cx="4343400" cy="2532063"/>
                       </a:xfrm>
                       <a:prstGeom prst="rect">
@@ -38504,7 +40262,7 @@
         </p:nvSpPr>
         <p:spPr bwMode="auto">
           <a:xfrm>
-            <a:off x="7010400" y="3657600"/>
+            <a:off x="6819900" y="3514724"/>
             <a:ext cx="3276600" cy="915988"/>
           </a:xfrm>
           <a:prstGeom prst="rect">
@@ -38643,7 +40401,7 @@
         </p:nvSpPr>
         <p:spPr bwMode="auto">
           <a:xfrm>
-            <a:off x="6553200" y="4953000"/>
+            <a:off x="6520070" y="4657725"/>
             <a:ext cx="4038600" cy="701675"/>
           </a:xfrm>
           <a:prstGeom prst="rect">
